--- a/tutorials/pipelines/tut_nn_con_bud_cla/vector files/fig12_big.pptx
+++ b/tutorials/pipelines/tut_nn_con_bud_cla/vector files/fig12_big.pptx
@@ -2,12 +2,12 @@
 <file path=ppt/presentation.xml><?xml version="1.0" encoding="utf-8"?>
 <p:presentation xmlns:a="http://schemas.openxmlformats.org/drawingml/2006/main" xmlns:r="http://schemas.openxmlformats.org/officeDocument/2006/relationships" xmlns:p="http://schemas.openxmlformats.org/presentationml/2006/main" saveSubsetFonts="1">
   <p:sldMasterIdLst>
-    <p:sldMasterId id="2147483696" r:id="rId1"/>
+    <p:sldMasterId id="2147483720" r:id="rId1"/>
   </p:sldMasterIdLst>
   <p:sldIdLst>
     <p:sldId id="256" r:id="rId2"/>
   </p:sldIdLst>
-  <p:sldSz cx="8778875" cy="5486400"/>
+  <p:sldSz cx="8778875" cy="4679950"/>
   <p:notesSz cx="6858000" cy="9144000"/>
   <p:defaultTextStyle>
     <a:defPPr>
@@ -141,15 +141,15 @@
         </p:nvSpPr>
         <p:spPr>
           <a:xfrm>
-            <a:off x="1097360" y="897890"/>
-            <a:ext cx="6584156" cy="1910080"/>
+            <a:off x="1097360" y="765909"/>
+            <a:ext cx="6584156" cy="1629316"/>
           </a:xfrm>
         </p:spPr>
         <p:txBody>
           <a:bodyPr anchor="b"/>
           <a:lstStyle>
             <a:lvl1pPr algn="ctr">
-              <a:defRPr sz="4321"/>
+              <a:defRPr sz="4094"/>
             </a:lvl1pPr>
           </a:lstStyle>
           <a:p>
@@ -173,8 +173,8 @@
         </p:nvSpPr>
         <p:spPr>
           <a:xfrm>
-            <a:off x="1097360" y="2881630"/>
-            <a:ext cx="6584156" cy="1324610"/>
+            <a:off x="1097360" y="2458058"/>
+            <a:ext cx="6584156" cy="1129904"/>
           </a:xfrm>
         </p:spPr>
         <p:txBody>
@@ -182,39 +182,39 @@
           <a:lstStyle>
             <a:lvl1pPr marL="0" indent="0" algn="ctr">
               <a:buNone/>
-              <a:defRPr sz="1728"/>
+              <a:defRPr sz="1638"/>
             </a:lvl1pPr>
-            <a:lvl2pPr marL="329230" indent="0" algn="ctr">
-              <a:buNone/>
-              <a:defRPr sz="1440"/>
+            <a:lvl2pPr marL="311993" indent="0" algn="ctr">
+              <a:buNone/>
+              <a:defRPr sz="1365"/>
             </a:lvl2pPr>
-            <a:lvl3pPr marL="658459" indent="0" algn="ctr">
-              <a:buNone/>
-              <a:defRPr sz="1296"/>
+            <a:lvl3pPr marL="623987" indent="0" algn="ctr">
+              <a:buNone/>
+              <a:defRPr sz="1228"/>
             </a:lvl3pPr>
-            <a:lvl4pPr marL="987689" indent="0" algn="ctr">
-              <a:buNone/>
-              <a:defRPr sz="1152"/>
+            <a:lvl4pPr marL="935980" indent="0" algn="ctr">
+              <a:buNone/>
+              <a:defRPr sz="1092"/>
             </a:lvl4pPr>
-            <a:lvl5pPr marL="1316919" indent="0" algn="ctr">
-              <a:buNone/>
-              <a:defRPr sz="1152"/>
+            <a:lvl5pPr marL="1247973" indent="0" algn="ctr">
+              <a:buNone/>
+              <a:defRPr sz="1092"/>
             </a:lvl5pPr>
-            <a:lvl6pPr marL="1646149" indent="0" algn="ctr">
-              <a:buNone/>
-              <a:defRPr sz="1152"/>
+            <a:lvl6pPr marL="1559966" indent="0" algn="ctr">
+              <a:buNone/>
+              <a:defRPr sz="1092"/>
             </a:lvl6pPr>
-            <a:lvl7pPr marL="1975378" indent="0" algn="ctr">
-              <a:buNone/>
-              <a:defRPr sz="1152"/>
+            <a:lvl7pPr marL="1871960" indent="0" algn="ctr">
+              <a:buNone/>
+              <a:defRPr sz="1092"/>
             </a:lvl7pPr>
-            <a:lvl8pPr marL="2304608" indent="0" algn="ctr">
-              <a:buNone/>
-              <a:defRPr sz="1152"/>
+            <a:lvl8pPr marL="2183953" indent="0" algn="ctr">
+              <a:buNone/>
+              <a:defRPr sz="1092"/>
             </a:lvl8pPr>
-            <a:lvl9pPr marL="2633838" indent="0" algn="ctr">
-              <a:buNone/>
-              <a:defRPr sz="1152"/>
+            <a:lvl9pPr marL="2495946" indent="0" algn="ctr">
+              <a:buNone/>
+              <a:defRPr sz="1092"/>
             </a:lvl9pPr>
           </a:lstStyle>
           <a:p>
@@ -243,7 +243,7 @@
           <a:p>
             <a:fld id="{CA1BB51F-BFC6-4DD3-8C2A-5B21FD6F69C3}" type="datetimeFigureOut">
               <a:rPr lang="en-SE" smtClean="0"/>
-              <a:t>10/01/2023</a:t>
+              <a:t>2023-10-08</a:t>
             </a:fld>
             <a:endParaRPr lang="en-SE"/>
           </a:p>
@@ -294,7 +294,7 @@
     </p:spTree>
     <p:extLst>
       <p:ext uri="{BB962C8B-B14F-4D97-AF65-F5344CB8AC3E}">
-        <p14:creationId xmlns:p14="http://schemas.microsoft.com/office/powerpoint/2010/main" val="2286907468"/>
+        <p14:creationId xmlns:p14="http://schemas.microsoft.com/office/powerpoint/2010/main" val="716680573"/>
       </p:ext>
     </p:extLst>
   </p:cSld>
@@ -413,7 +413,7 @@
           <a:p>
             <a:fld id="{CA1BB51F-BFC6-4DD3-8C2A-5B21FD6F69C3}" type="datetimeFigureOut">
               <a:rPr lang="en-SE" smtClean="0"/>
-              <a:t>10/01/2023</a:t>
+              <a:t>2023-10-08</a:t>
             </a:fld>
             <a:endParaRPr lang="en-SE"/>
           </a:p>
@@ -464,7 +464,7 @@
     </p:spTree>
     <p:extLst>
       <p:ext uri="{BB962C8B-B14F-4D97-AF65-F5344CB8AC3E}">
-        <p14:creationId xmlns:p14="http://schemas.microsoft.com/office/powerpoint/2010/main" val="893241620"/>
+        <p14:creationId xmlns:p14="http://schemas.microsoft.com/office/powerpoint/2010/main" val="3354628256"/>
       </p:ext>
     </p:extLst>
   </p:cSld>
@@ -503,8 +503,8 @@
         </p:nvSpPr>
         <p:spPr>
           <a:xfrm>
-            <a:off x="6282382" y="292100"/>
-            <a:ext cx="1892945" cy="4649470"/>
+            <a:off x="6282382" y="249164"/>
+            <a:ext cx="1892945" cy="3966041"/>
           </a:xfrm>
         </p:spPr>
         <p:txBody>
@@ -531,8 +531,8 @@
         </p:nvSpPr>
         <p:spPr>
           <a:xfrm>
-            <a:off x="603548" y="292100"/>
-            <a:ext cx="5569099" cy="4649470"/>
+            <a:off x="603548" y="249164"/>
+            <a:ext cx="5569099" cy="3966041"/>
           </a:xfrm>
         </p:spPr>
         <p:txBody>
@@ -593,7 +593,7 @@
           <a:p>
             <a:fld id="{CA1BB51F-BFC6-4DD3-8C2A-5B21FD6F69C3}" type="datetimeFigureOut">
               <a:rPr lang="en-SE" smtClean="0"/>
-              <a:t>10/01/2023</a:t>
+              <a:t>2023-10-08</a:t>
             </a:fld>
             <a:endParaRPr lang="en-SE"/>
           </a:p>
@@ -644,7 +644,7 @@
     </p:spTree>
     <p:extLst>
       <p:ext uri="{BB962C8B-B14F-4D97-AF65-F5344CB8AC3E}">
-        <p14:creationId xmlns:p14="http://schemas.microsoft.com/office/powerpoint/2010/main" val="4057110836"/>
+        <p14:creationId xmlns:p14="http://schemas.microsoft.com/office/powerpoint/2010/main" val="2161403563"/>
       </p:ext>
     </p:extLst>
   </p:cSld>
@@ -763,7 +763,7 @@
           <a:p>
             <a:fld id="{CA1BB51F-BFC6-4DD3-8C2A-5B21FD6F69C3}" type="datetimeFigureOut">
               <a:rPr lang="en-SE" smtClean="0"/>
-              <a:t>10/01/2023</a:t>
+              <a:t>2023-10-08</a:t>
             </a:fld>
             <a:endParaRPr lang="en-SE"/>
           </a:p>
@@ -814,7 +814,7 @@
     </p:spTree>
     <p:extLst>
       <p:ext uri="{BB962C8B-B14F-4D97-AF65-F5344CB8AC3E}">
-        <p14:creationId xmlns:p14="http://schemas.microsoft.com/office/powerpoint/2010/main" val="3487789397"/>
+        <p14:creationId xmlns:p14="http://schemas.microsoft.com/office/powerpoint/2010/main" val="33310440"/>
       </p:ext>
     </p:extLst>
   </p:cSld>
@@ -853,15 +853,15 @@
         </p:nvSpPr>
         <p:spPr>
           <a:xfrm>
-            <a:off x="598975" y="1367791"/>
-            <a:ext cx="7571780" cy="2282190"/>
+            <a:off x="598975" y="1166738"/>
+            <a:ext cx="7571780" cy="1946729"/>
           </a:xfrm>
         </p:spPr>
         <p:txBody>
           <a:bodyPr anchor="b"/>
           <a:lstStyle>
             <a:lvl1pPr>
-              <a:defRPr sz="4321"/>
+              <a:defRPr sz="4094"/>
             </a:lvl1pPr>
           </a:lstStyle>
           <a:p>
@@ -885,8 +885,8 @@
         </p:nvSpPr>
         <p:spPr>
           <a:xfrm>
-            <a:off x="598975" y="3671571"/>
-            <a:ext cx="7571780" cy="1200150"/>
+            <a:off x="598975" y="3131884"/>
+            <a:ext cx="7571780" cy="1023739"/>
           </a:xfrm>
         </p:spPr>
         <p:txBody>
@@ -894,7 +894,7 @@
           <a:lstStyle>
             <a:lvl1pPr marL="0" indent="0">
               <a:buNone/>
-              <a:defRPr sz="1728">
+              <a:defRPr sz="1638">
                 <a:solidFill>
                   <a:schemeClr val="tx1">
                     <a:tint val="75000"/>
@@ -902,9 +902,9 @@
                 </a:solidFill>
               </a:defRPr>
             </a:lvl1pPr>
-            <a:lvl2pPr marL="329230" indent="0">
-              <a:buNone/>
-              <a:defRPr sz="1440">
+            <a:lvl2pPr marL="311993" indent="0">
+              <a:buNone/>
+              <a:defRPr sz="1365">
                 <a:solidFill>
                   <a:schemeClr val="tx1">
                     <a:tint val="75000"/>
@@ -912,9 +912,9 @@
                 </a:solidFill>
               </a:defRPr>
             </a:lvl2pPr>
-            <a:lvl3pPr marL="658459" indent="0">
-              <a:buNone/>
-              <a:defRPr sz="1296">
+            <a:lvl3pPr marL="623987" indent="0">
+              <a:buNone/>
+              <a:defRPr sz="1228">
                 <a:solidFill>
                   <a:schemeClr val="tx1">
                     <a:tint val="75000"/>
@@ -922,9 +922,9 @@
                 </a:solidFill>
               </a:defRPr>
             </a:lvl3pPr>
-            <a:lvl4pPr marL="987689" indent="0">
-              <a:buNone/>
-              <a:defRPr sz="1152">
+            <a:lvl4pPr marL="935980" indent="0">
+              <a:buNone/>
+              <a:defRPr sz="1092">
                 <a:solidFill>
                   <a:schemeClr val="tx1">
                     <a:tint val="75000"/>
@@ -932,9 +932,9 @@
                 </a:solidFill>
               </a:defRPr>
             </a:lvl4pPr>
-            <a:lvl5pPr marL="1316919" indent="0">
-              <a:buNone/>
-              <a:defRPr sz="1152">
+            <a:lvl5pPr marL="1247973" indent="0">
+              <a:buNone/>
+              <a:defRPr sz="1092">
                 <a:solidFill>
                   <a:schemeClr val="tx1">
                     <a:tint val="75000"/>
@@ -942,9 +942,9 @@
                 </a:solidFill>
               </a:defRPr>
             </a:lvl5pPr>
-            <a:lvl6pPr marL="1646149" indent="0">
-              <a:buNone/>
-              <a:defRPr sz="1152">
+            <a:lvl6pPr marL="1559966" indent="0">
+              <a:buNone/>
+              <a:defRPr sz="1092">
                 <a:solidFill>
                   <a:schemeClr val="tx1">
                     <a:tint val="75000"/>
@@ -952,9 +952,9 @@
                 </a:solidFill>
               </a:defRPr>
             </a:lvl6pPr>
-            <a:lvl7pPr marL="1975378" indent="0">
-              <a:buNone/>
-              <a:defRPr sz="1152">
+            <a:lvl7pPr marL="1871960" indent="0">
+              <a:buNone/>
+              <a:defRPr sz="1092">
                 <a:solidFill>
                   <a:schemeClr val="tx1">
                     <a:tint val="75000"/>
@@ -962,9 +962,9 @@
                 </a:solidFill>
               </a:defRPr>
             </a:lvl7pPr>
-            <a:lvl8pPr marL="2304608" indent="0">
-              <a:buNone/>
-              <a:defRPr sz="1152">
+            <a:lvl8pPr marL="2183953" indent="0">
+              <a:buNone/>
+              <a:defRPr sz="1092">
                 <a:solidFill>
                   <a:schemeClr val="tx1">
                     <a:tint val="75000"/>
@@ -972,9 +972,9 @@
                 </a:solidFill>
               </a:defRPr>
             </a:lvl8pPr>
-            <a:lvl9pPr marL="2633838" indent="0">
-              <a:buNone/>
-              <a:defRPr sz="1152">
+            <a:lvl9pPr marL="2495946" indent="0">
+              <a:buNone/>
+              <a:defRPr sz="1092">
                 <a:solidFill>
                   <a:schemeClr val="tx1">
                     <a:tint val="75000"/>
@@ -1009,7 +1009,7 @@
           <a:p>
             <a:fld id="{CA1BB51F-BFC6-4DD3-8C2A-5B21FD6F69C3}" type="datetimeFigureOut">
               <a:rPr lang="en-SE" smtClean="0"/>
-              <a:t>10/01/2023</a:t>
+              <a:t>2023-10-08</a:t>
             </a:fld>
             <a:endParaRPr lang="en-SE"/>
           </a:p>
@@ -1060,7 +1060,7 @@
     </p:spTree>
     <p:extLst>
       <p:ext uri="{BB962C8B-B14F-4D97-AF65-F5344CB8AC3E}">
-        <p14:creationId xmlns:p14="http://schemas.microsoft.com/office/powerpoint/2010/main" val="3520788965"/>
+        <p14:creationId xmlns:p14="http://schemas.microsoft.com/office/powerpoint/2010/main" val="1362983404"/>
       </p:ext>
     </p:extLst>
   </p:cSld>
@@ -1122,8 +1122,8 @@
         </p:nvSpPr>
         <p:spPr>
           <a:xfrm>
-            <a:off x="603548" y="1460500"/>
-            <a:ext cx="3731022" cy="3481070"/>
+            <a:off x="603548" y="1245820"/>
+            <a:ext cx="3731022" cy="2969385"/>
           </a:xfrm>
         </p:spPr>
         <p:txBody>
@@ -1179,8 +1179,8 @@
         </p:nvSpPr>
         <p:spPr>
           <a:xfrm>
-            <a:off x="4444305" y="1460500"/>
-            <a:ext cx="3731022" cy="3481070"/>
+            <a:off x="4444305" y="1245820"/>
+            <a:ext cx="3731022" cy="2969385"/>
           </a:xfrm>
         </p:spPr>
         <p:txBody>
@@ -1241,7 +1241,7 @@
           <a:p>
             <a:fld id="{CA1BB51F-BFC6-4DD3-8C2A-5B21FD6F69C3}" type="datetimeFigureOut">
               <a:rPr lang="en-SE" smtClean="0"/>
-              <a:t>10/01/2023</a:t>
+              <a:t>2023-10-08</a:t>
             </a:fld>
             <a:endParaRPr lang="en-SE"/>
           </a:p>
@@ -1292,7 +1292,7 @@
     </p:spTree>
     <p:extLst>
       <p:ext uri="{BB962C8B-B14F-4D97-AF65-F5344CB8AC3E}">
-        <p14:creationId xmlns:p14="http://schemas.microsoft.com/office/powerpoint/2010/main" val="1451664713"/>
+        <p14:creationId xmlns:p14="http://schemas.microsoft.com/office/powerpoint/2010/main" val="2136957251"/>
       </p:ext>
     </p:extLst>
   </p:cSld>
@@ -1331,8 +1331,8 @@
         </p:nvSpPr>
         <p:spPr>
           <a:xfrm>
-            <a:off x="604691" y="292101"/>
-            <a:ext cx="7571780" cy="1060450"/>
+            <a:off x="604691" y="249164"/>
+            <a:ext cx="7571780" cy="904574"/>
           </a:xfrm>
         </p:spPr>
         <p:txBody>
@@ -1359,8 +1359,8 @@
         </p:nvSpPr>
         <p:spPr>
           <a:xfrm>
-            <a:off x="604692" y="1344930"/>
-            <a:ext cx="3713875" cy="659130"/>
+            <a:off x="604692" y="1147238"/>
+            <a:ext cx="3713875" cy="562244"/>
           </a:xfrm>
         </p:spPr>
         <p:txBody>
@@ -1368,39 +1368,39 @@
           <a:lstStyle>
             <a:lvl1pPr marL="0" indent="0">
               <a:buNone/>
-              <a:defRPr sz="1728" b="1"/>
+              <a:defRPr sz="1638" b="1"/>
             </a:lvl1pPr>
-            <a:lvl2pPr marL="329230" indent="0">
-              <a:buNone/>
-              <a:defRPr sz="1440" b="1"/>
+            <a:lvl2pPr marL="311993" indent="0">
+              <a:buNone/>
+              <a:defRPr sz="1365" b="1"/>
             </a:lvl2pPr>
-            <a:lvl3pPr marL="658459" indent="0">
-              <a:buNone/>
-              <a:defRPr sz="1296" b="1"/>
+            <a:lvl3pPr marL="623987" indent="0">
+              <a:buNone/>
+              <a:defRPr sz="1228" b="1"/>
             </a:lvl3pPr>
-            <a:lvl4pPr marL="987689" indent="0">
-              <a:buNone/>
-              <a:defRPr sz="1152" b="1"/>
+            <a:lvl4pPr marL="935980" indent="0">
+              <a:buNone/>
+              <a:defRPr sz="1092" b="1"/>
             </a:lvl4pPr>
-            <a:lvl5pPr marL="1316919" indent="0">
-              <a:buNone/>
-              <a:defRPr sz="1152" b="1"/>
+            <a:lvl5pPr marL="1247973" indent="0">
+              <a:buNone/>
+              <a:defRPr sz="1092" b="1"/>
             </a:lvl5pPr>
-            <a:lvl6pPr marL="1646149" indent="0">
-              <a:buNone/>
-              <a:defRPr sz="1152" b="1"/>
+            <a:lvl6pPr marL="1559966" indent="0">
+              <a:buNone/>
+              <a:defRPr sz="1092" b="1"/>
             </a:lvl6pPr>
-            <a:lvl7pPr marL="1975378" indent="0">
-              <a:buNone/>
-              <a:defRPr sz="1152" b="1"/>
+            <a:lvl7pPr marL="1871960" indent="0">
+              <a:buNone/>
+              <a:defRPr sz="1092" b="1"/>
             </a:lvl7pPr>
-            <a:lvl8pPr marL="2304608" indent="0">
-              <a:buNone/>
-              <a:defRPr sz="1152" b="1"/>
+            <a:lvl8pPr marL="2183953" indent="0">
+              <a:buNone/>
+              <a:defRPr sz="1092" b="1"/>
             </a:lvl8pPr>
-            <a:lvl9pPr marL="2633838" indent="0">
-              <a:buNone/>
-              <a:defRPr sz="1152" b="1"/>
+            <a:lvl9pPr marL="2495946" indent="0">
+              <a:buNone/>
+              <a:defRPr sz="1092" b="1"/>
             </a:lvl9pPr>
           </a:lstStyle>
           <a:p>
@@ -1424,8 +1424,8 @@
         </p:nvSpPr>
         <p:spPr>
           <a:xfrm>
-            <a:off x="604692" y="2004060"/>
-            <a:ext cx="3713875" cy="2947670"/>
+            <a:off x="604692" y="1709482"/>
+            <a:ext cx="3713875" cy="2514390"/>
           </a:xfrm>
         </p:spPr>
         <p:txBody>
@@ -1481,8 +1481,8 @@
         </p:nvSpPr>
         <p:spPr>
           <a:xfrm>
-            <a:off x="4444306" y="1344930"/>
-            <a:ext cx="3732165" cy="659130"/>
+            <a:off x="4444306" y="1147238"/>
+            <a:ext cx="3732165" cy="562244"/>
           </a:xfrm>
         </p:spPr>
         <p:txBody>
@@ -1490,39 +1490,39 @@
           <a:lstStyle>
             <a:lvl1pPr marL="0" indent="0">
               <a:buNone/>
-              <a:defRPr sz="1728" b="1"/>
+              <a:defRPr sz="1638" b="1"/>
             </a:lvl1pPr>
-            <a:lvl2pPr marL="329230" indent="0">
-              <a:buNone/>
-              <a:defRPr sz="1440" b="1"/>
+            <a:lvl2pPr marL="311993" indent="0">
+              <a:buNone/>
+              <a:defRPr sz="1365" b="1"/>
             </a:lvl2pPr>
-            <a:lvl3pPr marL="658459" indent="0">
-              <a:buNone/>
-              <a:defRPr sz="1296" b="1"/>
+            <a:lvl3pPr marL="623987" indent="0">
+              <a:buNone/>
+              <a:defRPr sz="1228" b="1"/>
             </a:lvl3pPr>
-            <a:lvl4pPr marL="987689" indent="0">
-              <a:buNone/>
-              <a:defRPr sz="1152" b="1"/>
+            <a:lvl4pPr marL="935980" indent="0">
+              <a:buNone/>
+              <a:defRPr sz="1092" b="1"/>
             </a:lvl4pPr>
-            <a:lvl5pPr marL="1316919" indent="0">
-              <a:buNone/>
-              <a:defRPr sz="1152" b="1"/>
+            <a:lvl5pPr marL="1247973" indent="0">
+              <a:buNone/>
+              <a:defRPr sz="1092" b="1"/>
             </a:lvl5pPr>
-            <a:lvl6pPr marL="1646149" indent="0">
-              <a:buNone/>
-              <a:defRPr sz="1152" b="1"/>
+            <a:lvl6pPr marL="1559966" indent="0">
+              <a:buNone/>
+              <a:defRPr sz="1092" b="1"/>
             </a:lvl6pPr>
-            <a:lvl7pPr marL="1975378" indent="0">
-              <a:buNone/>
-              <a:defRPr sz="1152" b="1"/>
+            <a:lvl7pPr marL="1871960" indent="0">
+              <a:buNone/>
+              <a:defRPr sz="1092" b="1"/>
             </a:lvl7pPr>
-            <a:lvl8pPr marL="2304608" indent="0">
-              <a:buNone/>
-              <a:defRPr sz="1152" b="1"/>
+            <a:lvl8pPr marL="2183953" indent="0">
+              <a:buNone/>
+              <a:defRPr sz="1092" b="1"/>
             </a:lvl8pPr>
-            <a:lvl9pPr marL="2633838" indent="0">
-              <a:buNone/>
-              <a:defRPr sz="1152" b="1"/>
+            <a:lvl9pPr marL="2495946" indent="0">
+              <a:buNone/>
+              <a:defRPr sz="1092" b="1"/>
             </a:lvl9pPr>
           </a:lstStyle>
           <a:p>
@@ -1546,8 +1546,8 @@
         </p:nvSpPr>
         <p:spPr>
           <a:xfrm>
-            <a:off x="4444306" y="2004060"/>
-            <a:ext cx="3732165" cy="2947670"/>
+            <a:off x="4444306" y="1709482"/>
+            <a:ext cx="3732165" cy="2514390"/>
           </a:xfrm>
         </p:spPr>
         <p:txBody>
@@ -1608,7 +1608,7 @@
           <a:p>
             <a:fld id="{CA1BB51F-BFC6-4DD3-8C2A-5B21FD6F69C3}" type="datetimeFigureOut">
               <a:rPr lang="en-SE" smtClean="0"/>
-              <a:t>10/01/2023</a:t>
+              <a:t>2023-10-08</a:t>
             </a:fld>
             <a:endParaRPr lang="en-SE"/>
           </a:p>
@@ -1659,7 +1659,7 @@
     </p:spTree>
     <p:extLst>
       <p:ext uri="{BB962C8B-B14F-4D97-AF65-F5344CB8AC3E}">
-        <p14:creationId xmlns:p14="http://schemas.microsoft.com/office/powerpoint/2010/main" val="2116188150"/>
+        <p14:creationId xmlns:p14="http://schemas.microsoft.com/office/powerpoint/2010/main" val="1243353186"/>
       </p:ext>
     </p:extLst>
   </p:cSld>
@@ -1726,7 +1726,7 @@
           <a:p>
             <a:fld id="{CA1BB51F-BFC6-4DD3-8C2A-5B21FD6F69C3}" type="datetimeFigureOut">
               <a:rPr lang="en-SE" smtClean="0"/>
-              <a:t>10/01/2023</a:t>
+              <a:t>2023-10-08</a:t>
             </a:fld>
             <a:endParaRPr lang="en-SE"/>
           </a:p>
@@ -1777,7 +1777,7 @@
     </p:spTree>
     <p:extLst>
       <p:ext uri="{BB962C8B-B14F-4D97-AF65-F5344CB8AC3E}">
-        <p14:creationId xmlns:p14="http://schemas.microsoft.com/office/powerpoint/2010/main" val="422802850"/>
+        <p14:creationId xmlns:p14="http://schemas.microsoft.com/office/powerpoint/2010/main" val="3836108144"/>
       </p:ext>
     </p:extLst>
   </p:cSld>
@@ -1821,7 +1821,7 @@
           <a:p>
             <a:fld id="{CA1BB51F-BFC6-4DD3-8C2A-5B21FD6F69C3}" type="datetimeFigureOut">
               <a:rPr lang="en-SE" smtClean="0"/>
-              <a:t>10/01/2023</a:t>
+              <a:t>2023-10-08</a:t>
             </a:fld>
             <a:endParaRPr lang="en-SE"/>
           </a:p>
@@ -1872,7 +1872,7 @@
     </p:spTree>
     <p:extLst>
       <p:ext uri="{BB962C8B-B14F-4D97-AF65-F5344CB8AC3E}">
-        <p14:creationId xmlns:p14="http://schemas.microsoft.com/office/powerpoint/2010/main" val="1596911496"/>
+        <p14:creationId xmlns:p14="http://schemas.microsoft.com/office/powerpoint/2010/main" val="4250274895"/>
       </p:ext>
     </p:extLst>
   </p:cSld>
@@ -1911,15 +1911,15 @@
         </p:nvSpPr>
         <p:spPr>
           <a:xfrm>
-            <a:off x="604692" y="365760"/>
-            <a:ext cx="2831415" cy="1280160"/>
+            <a:off x="604692" y="311997"/>
+            <a:ext cx="2831415" cy="1091988"/>
           </a:xfrm>
         </p:spPr>
         <p:txBody>
           <a:bodyPr anchor="b"/>
           <a:lstStyle>
             <a:lvl1pPr>
-              <a:defRPr sz="2304"/>
+              <a:defRPr sz="2184"/>
             </a:lvl1pPr>
           </a:lstStyle>
           <a:p>
@@ -1943,39 +1943,39 @@
         </p:nvSpPr>
         <p:spPr>
           <a:xfrm>
-            <a:off x="3732166" y="789940"/>
-            <a:ext cx="4444305" cy="3898900"/>
+            <a:off x="3732166" y="673826"/>
+            <a:ext cx="4444305" cy="3325798"/>
           </a:xfrm>
         </p:spPr>
         <p:txBody>
           <a:bodyPr/>
           <a:lstStyle>
             <a:lvl1pPr>
-              <a:defRPr sz="2304"/>
+              <a:defRPr sz="2184"/>
             </a:lvl1pPr>
             <a:lvl2pPr>
-              <a:defRPr sz="2016"/>
+              <a:defRPr sz="1911"/>
             </a:lvl2pPr>
             <a:lvl3pPr>
-              <a:defRPr sz="1728"/>
+              <a:defRPr sz="1638"/>
             </a:lvl3pPr>
             <a:lvl4pPr>
-              <a:defRPr sz="1440"/>
+              <a:defRPr sz="1365"/>
             </a:lvl4pPr>
             <a:lvl5pPr>
-              <a:defRPr sz="1440"/>
+              <a:defRPr sz="1365"/>
             </a:lvl5pPr>
             <a:lvl6pPr>
-              <a:defRPr sz="1440"/>
+              <a:defRPr sz="1365"/>
             </a:lvl6pPr>
             <a:lvl7pPr>
-              <a:defRPr sz="1440"/>
+              <a:defRPr sz="1365"/>
             </a:lvl7pPr>
             <a:lvl8pPr>
-              <a:defRPr sz="1440"/>
+              <a:defRPr sz="1365"/>
             </a:lvl8pPr>
             <a:lvl9pPr>
-              <a:defRPr sz="1440"/>
+              <a:defRPr sz="1365"/>
             </a:lvl9pPr>
           </a:lstStyle>
           <a:p>
@@ -2028,8 +2028,8 @@
         </p:nvSpPr>
         <p:spPr>
           <a:xfrm>
-            <a:off x="604692" y="1645920"/>
-            <a:ext cx="2831415" cy="3049270"/>
+            <a:off x="604692" y="1403985"/>
+            <a:ext cx="2831415" cy="2601056"/>
           </a:xfrm>
         </p:spPr>
         <p:txBody>
@@ -2037,39 +2037,39 @@
           <a:lstStyle>
             <a:lvl1pPr marL="0" indent="0">
               <a:buNone/>
-              <a:defRPr sz="1152"/>
+              <a:defRPr sz="1092"/>
             </a:lvl1pPr>
-            <a:lvl2pPr marL="329230" indent="0">
-              <a:buNone/>
-              <a:defRPr sz="1008"/>
+            <a:lvl2pPr marL="311993" indent="0">
+              <a:buNone/>
+              <a:defRPr sz="955"/>
             </a:lvl2pPr>
-            <a:lvl3pPr marL="658459" indent="0">
-              <a:buNone/>
-              <a:defRPr sz="864"/>
+            <a:lvl3pPr marL="623987" indent="0">
+              <a:buNone/>
+              <a:defRPr sz="819"/>
             </a:lvl3pPr>
-            <a:lvl4pPr marL="987689" indent="0">
-              <a:buNone/>
-              <a:defRPr sz="720"/>
+            <a:lvl4pPr marL="935980" indent="0">
+              <a:buNone/>
+              <a:defRPr sz="682"/>
             </a:lvl4pPr>
-            <a:lvl5pPr marL="1316919" indent="0">
-              <a:buNone/>
-              <a:defRPr sz="720"/>
+            <a:lvl5pPr marL="1247973" indent="0">
+              <a:buNone/>
+              <a:defRPr sz="682"/>
             </a:lvl5pPr>
-            <a:lvl6pPr marL="1646149" indent="0">
-              <a:buNone/>
-              <a:defRPr sz="720"/>
+            <a:lvl6pPr marL="1559966" indent="0">
+              <a:buNone/>
+              <a:defRPr sz="682"/>
             </a:lvl6pPr>
-            <a:lvl7pPr marL="1975378" indent="0">
-              <a:buNone/>
-              <a:defRPr sz="720"/>
+            <a:lvl7pPr marL="1871960" indent="0">
+              <a:buNone/>
+              <a:defRPr sz="682"/>
             </a:lvl7pPr>
-            <a:lvl8pPr marL="2304608" indent="0">
-              <a:buNone/>
-              <a:defRPr sz="720"/>
+            <a:lvl8pPr marL="2183953" indent="0">
+              <a:buNone/>
+              <a:defRPr sz="682"/>
             </a:lvl8pPr>
-            <a:lvl9pPr marL="2633838" indent="0">
-              <a:buNone/>
-              <a:defRPr sz="720"/>
+            <a:lvl9pPr marL="2495946" indent="0">
+              <a:buNone/>
+              <a:defRPr sz="682"/>
             </a:lvl9pPr>
           </a:lstStyle>
           <a:p>
@@ -2098,7 +2098,7 @@
           <a:p>
             <a:fld id="{CA1BB51F-BFC6-4DD3-8C2A-5B21FD6F69C3}" type="datetimeFigureOut">
               <a:rPr lang="en-SE" smtClean="0"/>
-              <a:t>10/01/2023</a:t>
+              <a:t>2023-10-08</a:t>
             </a:fld>
             <a:endParaRPr lang="en-SE"/>
           </a:p>
@@ -2149,7 +2149,7 @@
     </p:spTree>
     <p:extLst>
       <p:ext uri="{BB962C8B-B14F-4D97-AF65-F5344CB8AC3E}">
-        <p14:creationId xmlns:p14="http://schemas.microsoft.com/office/powerpoint/2010/main" val="2054921963"/>
+        <p14:creationId xmlns:p14="http://schemas.microsoft.com/office/powerpoint/2010/main" val="2371500485"/>
       </p:ext>
     </p:extLst>
   </p:cSld>
@@ -2188,15 +2188,15 @@
         </p:nvSpPr>
         <p:spPr>
           <a:xfrm>
-            <a:off x="604692" y="365760"/>
-            <a:ext cx="2831415" cy="1280160"/>
+            <a:off x="604692" y="311997"/>
+            <a:ext cx="2831415" cy="1091988"/>
           </a:xfrm>
         </p:spPr>
         <p:txBody>
           <a:bodyPr anchor="b"/>
           <a:lstStyle>
             <a:lvl1pPr>
-              <a:defRPr sz="2304"/>
+              <a:defRPr sz="2184"/>
             </a:lvl1pPr>
           </a:lstStyle>
           <a:p>
@@ -2220,8 +2220,8 @@
         </p:nvSpPr>
         <p:spPr>
           <a:xfrm>
-            <a:off x="3732166" y="789940"/>
-            <a:ext cx="4444305" cy="3898900"/>
+            <a:off x="3732166" y="673826"/>
+            <a:ext cx="4444305" cy="3325798"/>
           </a:xfrm>
         </p:spPr>
         <p:txBody>
@@ -2229,39 +2229,39 @@
           <a:lstStyle>
             <a:lvl1pPr marL="0" indent="0">
               <a:buNone/>
-              <a:defRPr sz="2304"/>
+              <a:defRPr sz="2184"/>
             </a:lvl1pPr>
-            <a:lvl2pPr marL="329230" indent="0">
-              <a:buNone/>
-              <a:defRPr sz="2016"/>
+            <a:lvl2pPr marL="311993" indent="0">
+              <a:buNone/>
+              <a:defRPr sz="1911"/>
             </a:lvl2pPr>
-            <a:lvl3pPr marL="658459" indent="0">
-              <a:buNone/>
-              <a:defRPr sz="1728"/>
+            <a:lvl3pPr marL="623987" indent="0">
+              <a:buNone/>
+              <a:defRPr sz="1638"/>
             </a:lvl3pPr>
-            <a:lvl4pPr marL="987689" indent="0">
-              <a:buNone/>
-              <a:defRPr sz="1440"/>
+            <a:lvl4pPr marL="935980" indent="0">
+              <a:buNone/>
+              <a:defRPr sz="1365"/>
             </a:lvl4pPr>
-            <a:lvl5pPr marL="1316919" indent="0">
-              <a:buNone/>
-              <a:defRPr sz="1440"/>
+            <a:lvl5pPr marL="1247973" indent="0">
+              <a:buNone/>
+              <a:defRPr sz="1365"/>
             </a:lvl5pPr>
-            <a:lvl6pPr marL="1646149" indent="0">
-              <a:buNone/>
-              <a:defRPr sz="1440"/>
+            <a:lvl6pPr marL="1559966" indent="0">
+              <a:buNone/>
+              <a:defRPr sz="1365"/>
             </a:lvl6pPr>
-            <a:lvl7pPr marL="1975378" indent="0">
-              <a:buNone/>
-              <a:defRPr sz="1440"/>
+            <a:lvl7pPr marL="1871960" indent="0">
+              <a:buNone/>
+              <a:defRPr sz="1365"/>
             </a:lvl7pPr>
-            <a:lvl8pPr marL="2304608" indent="0">
-              <a:buNone/>
-              <a:defRPr sz="1440"/>
+            <a:lvl8pPr marL="2183953" indent="0">
+              <a:buNone/>
+              <a:defRPr sz="1365"/>
             </a:lvl8pPr>
-            <a:lvl9pPr marL="2633838" indent="0">
-              <a:buNone/>
-              <a:defRPr sz="1440"/>
+            <a:lvl9pPr marL="2495946" indent="0">
+              <a:buNone/>
+              <a:defRPr sz="1365"/>
             </a:lvl9pPr>
           </a:lstStyle>
           <a:p>
@@ -2285,8 +2285,8 @@
         </p:nvSpPr>
         <p:spPr>
           <a:xfrm>
-            <a:off x="604692" y="1645920"/>
-            <a:ext cx="2831415" cy="3049270"/>
+            <a:off x="604692" y="1403985"/>
+            <a:ext cx="2831415" cy="2601056"/>
           </a:xfrm>
         </p:spPr>
         <p:txBody>
@@ -2294,39 +2294,39 @@
           <a:lstStyle>
             <a:lvl1pPr marL="0" indent="0">
               <a:buNone/>
-              <a:defRPr sz="1152"/>
+              <a:defRPr sz="1092"/>
             </a:lvl1pPr>
-            <a:lvl2pPr marL="329230" indent="0">
-              <a:buNone/>
-              <a:defRPr sz="1008"/>
+            <a:lvl2pPr marL="311993" indent="0">
+              <a:buNone/>
+              <a:defRPr sz="955"/>
             </a:lvl2pPr>
-            <a:lvl3pPr marL="658459" indent="0">
-              <a:buNone/>
-              <a:defRPr sz="864"/>
+            <a:lvl3pPr marL="623987" indent="0">
+              <a:buNone/>
+              <a:defRPr sz="819"/>
             </a:lvl3pPr>
-            <a:lvl4pPr marL="987689" indent="0">
-              <a:buNone/>
-              <a:defRPr sz="720"/>
+            <a:lvl4pPr marL="935980" indent="0">
+              <a:buNone/>
+              <a:defRPr sz="682"/>
             </a:lvl4pPr>
-            <a:lvl5pPr marL="1316919" indent="0">
-              <a:buNone/>
-              <a:defRPr sz="720"/>
+            <a:lvl5pPr marL="1247973" indent="0">
+              <a:buNone/>
+              <a:defRPr sz="682"/>
             </a:lvl5pPr>
-            <a:lvl6pPr marL="1646149" indent="0">
-              <a:buNone/>
-              <a:defRPr sz="720"/>
+            <a:lvl6pPr marL="1559966" indent="0">
+              <a:buNone/>
+              <a:defRPr sz="682"/>
             </a:lvl6pPr>
-            <a:lvl7pPr marL="1975378" indent="0">
-              <a:buNone/>
-              <a:defRPr sz="720"/>
+            <a:lvl7pPr marL="1871960" indent="0">
+              <a:buNone/>
+              <a:defRPr sz="682"/>
             </a:lvl7pPr>
-            <a:lvl8pPr marL="2304608" indent="0">
-              <a:buNone/>
-              <a:defRPr sz="720"/>
+            <a:lvl8pPr marL="2183953" indent="0">
+              <a:buNone/>
+              <a:defRPr sz="682"/>
             </a:lvl8pPr>
-            <a:lvl9pPr marL="2633838" indent="0">
-              <a:buNone/>
-              <a:defRPr sz="720"/>
+            <a:lvl9pPr marL="2495946" indent="0">
+              <a:buNone/>
+              <a:defRPr sz="682"/>
             </a:lvl9pPr>
           </a:lstStyle>
           <a:p>
@@ -2355,7 +2355,7 @@
           <a:p>
             <a:fld id="{CA1BB51F-BFC6-4DD3-8C2A-5B21FD6F69C3}" type="datetimeFigureOut">
               <a:rPr lang="en-SE" smtClean="0"/>
-              <a:t>10/01/2023</a:t>
+              <a:t>2023-10-08</a:t>
             </a:fld>
             <a:endParaRPr lang="en-SE"/>
           </a:p>
@@ -2406,7 +2406,7 @@
     </p:spTree>
     <p:extLst>
       <p:ext uri="{BB962C8B-B14F-4D97-AF65-F5344CB8AC3E}">
-        <p14:creationId xmlns:p14="http://schemas.microsoft.com/office/powerpoint/2010/main" val="1905789695"/>
+        <p14:creationId xmlns:p14="http://schemas.microsoft.com/office/powerpoint/2010/main" val="2197844681"/>
       </p:ext>
     </p:extLst>
   </p:cSld>
@@ -2450,8 +2450,8 @@
         </p:nvSpPr>
         <p:spPr>
           <a:xfrm>
-            <a:off x="603548" y="292101"/>
-            <a:ext cx="7571780" cy="1060450"/>
+            <a:off x="603548" y="249164"/>
+            <a:ext cx="7571780" cy="904574"/>
           </a:xfrm>
           <a:prstGeom prst="rect">
             <a:avLst/>
@@ -2483,8 +2483,8 @@
         </p:nvSpPr>
         <p:spPr>
           <a:xfrm>
-            <a:off x="603548" y="1460500"/>
-            <a:ext cx="7571780" cy="3481070"/>
+            <a:off x="603548" y="1245820"/>
+            <a:ext cx="7571780" cy="2969385"/>
           </a:xfrm>
           <a:prstGeom prst="rect">
             <a:avLst/>
@@ -2545,8 +2545,8 @@
         </p:nvSpPr>
         <p:spPr>
           <a:xfrm>
-            <a:off x="603548" y="5085080"/>
-            <a:ext cx="1975247" cy="292100"/>
+            <a:off x="603548" y="4337621"/>
+            <a:ext cx="1975247" cy="249164"/>
           </a:xfrm>
           <a:prstGeom prst="rect">
             <a:avLst/>
@@ -2556,7 +2556,7 @@
           <a:bodyPr vert="horz" lIns="91440" tIns="45720" rIns="91440" bIns="45720" rtlCol="0" anchor="ctr"/>
           <a:lstStyle>
             <a:lvl1pPr algn="l">
-              <a:defRPr sz="864">
+              <a:defRPr sz="819">
                 <a:solidFill>
                   <a:schemeClr val="tx1">
                     <a:tint val="75000"/>
@@ -2568,7 +2568,7 @@
           <a:p>
             <a:fld id="{CA1BB51F-BFC6-4DD3-8C2A-5B21FD6F69C3}" type="datetimeFigureOut">
               <a:rPr lang="en-SE" smtClean="0"/>
-              <a:t>10/01/2023</a:t>
+              <a:t>2023-10-08</a:t>
             </a:fld>
             <a:endParaRPr lang="en-SE"/>
           </a:p>
@@ -2586,8 +2586,8 @@
         </p:nvSpPr>
         <p:spPr>
           <a:xfrm>
-            <a:off x="2908003" y="5085080"/>
-            <a:ext cx="2962870" cy="292100"/>
+            <a:off x="2908003" y="4337621"/>
+            <a:ext cx="2962870" cy="249164"/>
           </a:xfrm>
           <a:prstGeom prst="rect">
             <a:avLst/>
@@ -2597,7 +2597,7 @@
           <a:bodyPr vert="horz" lIns="91440" tIns="45720" rIns="91440" bIns="45720" rtlCol="0" anchor="ctr"/>
           <a:lstStyle>
             <a:lvl1pPr algn="ctr">
-              <a:defRPr sz="864">
+              <a:defRPr sz="819">
                 <a:solidFill>
                   <a:schemeClr val="tx1">
                     <a:tint val="75000"/>
@@ -2623,8 +2623,8 @@
         </p:nvSpPr>
         <p:spPr>
           <a:xfrm>
-            <a:off x="6200080" y="5085080"/>
-            <a:ext cx="1975247" cy="292100"/>
+            <a:off x="6200080" y="4337621"/>
+            <a:ext cx="1975247" cy="249164"/>
           </a:xfrm>
           <a:prstGeom prst="rect">
             <a:avLst/>
@@ -2634,7 +2634,7 @@
           <a:bodyPr vert="horz" lIns="91440" tIns="45720" rIns="91440" bIns="45720" rtlCol="0" anchor="ctr"/>
           <a:lstStyle>
             <a:lvl1pPr algn="r">
-              <a:defRPr sz="864">
+              <a:defRPr sz="819">
                 <a:solidFill>
                   <a:schemeClr val="tx1">
                     <a:tint val="75000"/>
@@ -2655,27 +2655,27 @@
     </p:spTree>
     <p:extLst>
       <p:ext uri="{BB962C8B-B14F-4D97-AF65-F5344CB8AC3E}">
-        <p14:creationId xmlns:p14="http://schemas.microsoft.com/office/powerpoint/2010/main" val="1570273775"/>
+        <p14:creationId xmlns:p14="http://schemas.microsoft.com/office/powerpoint/2010/main" val="1863629393"/>
       </p:ext>
     </p:extLst>
   </p:cSld>
   <p:clrMap bg1="lt1" tx1="dk1" bg2="lt2" tx2="dk2" accent1="accent1" accent2="accent2" accent3="accent3" accent4="accent4" accent5="accent5" accent6="accent6" hlink="hlink" folHlink="folHlink"/>
   <p:sldLayoutIdLst>
-    <p:sldLayoutId id="2147483697" r:id="rId1"/>
-    <p:sldLayoutId id="2147483698" r:id="rId2"/>
-    <p:sldLayoutId id="2147483699" r:id="rId3"/>
-    <p:sldLayoutId id="2147483700" r:id="rId4"/>
-    <p:sldLayoutId id="2147483701" r:id="rId5"/>
-    <p:sldLayoutId id="2147483702" r:id="rId6"/>
-    <p:sldLayoutId id="2147483703" r:id="rId7"/>
-    <p:sldLayoutId id="2147483704" r:id="rId8"/>
-    <p:sldLayoutId id="2147483705" r:id="rId9"/>
-    <p:sldLayoutId id="2147483706" r:id="rId10"/>
-    <p:sldLayoutId id="2147483707" r:id="rId11"/>
+    <p:sldLayoutId id="2147483721" r:id="rId1"/>
+    <p:sldLayoutId id="2147483722" r:id="rId2"/>
+    <p:sldLayoutId id="2147483723" r:id="rId3"/>
+    <p:sldLayoutId id="2147483724" r:id="rId4"/>
+    <p:sldLayoutId id="2147483725" r:id="rId5"/>
+    <p:sldLayoutId id="2147483726" r:id="rId6"/>
+    <p:sldLayoutId id="2147483727" r:id="rId7"/>
+    <p:sldLayoutId id="2147483728" r:id="rId8"/>
+    <p:sldLayoutId id="2147483729" r:id="rId9"/>
+    <p:sldLayoutId id="2147483730" r:id="rId10"/>
+    <p:sldLayoutId id="2147483731" r:id="rId11"/>
   </p:sldLayoutIdLst>
   <p:txStyles>
     <p:titleStyle>
-      <a:lvl1pPr algn="l" defTabSz="658459" rtl="0" eaLnBrk="1" latinLnBrk="0" hangingPunct="1">
+      <a:lvl1pPr algn="l" defTabSz="623987" rtl="0" eaLnBrk="1" latinLnBrk="0" hangingPunct="1">
         <a:lnSpc>
           <a:spcPct val="90000"/>
         </a:lnSpc>
@@ -2683,7 +2683,7 @@
           <a:spcPct val="0"/>
         </a:spcBef>
         <a:buNone/>
-        <a:defRPr sz="3168" kern="1200">
+        <a:defRPr sz="3003" kern="1200">
           <a:solidFill>
             <a:schemeClr val="tx1"/>
           </a:solidFill>
@@ -2694,16 +2694,16 @@
       </a:lvl1pPr>
     </p:titleStyle>
     <p:bodyStyle>
-      <a:lvl1pPr marL="164615" indent="-164615" algn="l" defTabSz="658459" rtl="0" eaLnBrk="1" latinLnBrk="0" hangingPunct="1">
+      <a:lvl1pPr marL="155997" indent="-155997" algn="l" defTabSz="623987" rtl="0" eaLnBrk="1" latinLnBrk="0" hangingPunct="1">
         <a:lnSpc>
           <a:spcPct val="90000"/>
         </a:lnSpc>
         <a:spcBef>
-          <a:spcPts val="720"/>
+          <a:spcPts val="682"/>
         </a:spcBef>
         <a:buFont typeface="Arial" panose="020B0604020202020204" pitchFamily="34" charset="0"/>
         <a:buChar char="•"/>
-        <a:defRPr sz="2016" kern="1200">
+        <a:defRPr sz="1911" kern="1200">
           <a:solidFill>
             <a:schemeClr val="tx1"/>
           </a:solidFill>
@@ -2712,16 +2712,16 @@
           <a:cs typeface="+mn-cs"/>
         </a:defRPr>
       </a:lvl1pPr>
-      <a:lvl2pPr marL="493845" indent="-164615" algn="l" defTabSz="658459" rtl="0" eaLnBrk="1" latinLnBrk="0" hangingPunct="1">
+      <a:lvl2pPr marL="467990" indent="-155997" algn="l" defTabSz="623987" rtl="0" eaLnBrk="1" latinLnBrk="0" hangingPunct="1">
         <a:lnSpc>
           <a:spcPct val="90000"/>
         </a:lnSpc>
         <a:spcBef>
-          <a:spcPts val="360"/>
+          <a:spcPts val="341"/>
         </a:spcBef>
         <a:buFont typeface="Arial" panose="020B0604020202020204" pitchFamily="34" charset="0"/>
         <a:buChar char="•"/>
-        <a:defRPr sz="1728" kern="1200">
+        <a:defRPr sz="1638" kern="1200">
           <a:solidFill>
             <a:schemeClr val="tx1"/>
           </a:solidFill>
@@ -2730,16 +2730,16 @@
           <a:cs typeface="+mn-cs"/>
         </a:defRPr>
       </a:lvl2pPr>
-      <a:lvl3pPr marL="823074" indent="-164615" algn="l" defTabSz="658459" rtl="0" eaLnBrk="1" latinLnBrk="0" hangingPunct="1">
+      <a:lvl3pPr marL="779983" indent="-155997" algn="l" defTabSz="623987" rtl="0" eaLnBrk="1" latinLnBrk="0" hangingPunct="1">
         <a:lnSpc>
           <a:spcPct val="90000"/>
         </a:lnSpc>
         <a:spcBef>
-          <a:spcPts val="360"/>
+          <a:spcPts val="341"/>
         </a:spcBef>
         <a:buFont typeface="Arial" panose="020B0604020202020204" pitchFamily="34" charset="0"/>
         <a:buChar char="•"/>
-        <a:defRPr sz="1440" kern="1200">
+        <a:defRPr sz="1365" kern="1200">
           <a:solidFill>
             <a:schemeClr val="tx1"/>
           </a:solidFill>
@@ -2748,16 +2748,16 @@
           <a:cs typeface="+mn-cs"/>
         </a:defRPr>
       </a:lvl3pPr>
-      <a:lvl4pPr marL="1152304" indent="-164615" algn="l" defTabSz="658459" rtl="0" eaLnBrk="1" latinLnBrk="0" hangingPunct="1">
+      <a:lvl4pPr marL="1091976" indent="-155997" algn="l" defTabSz="623987" rtl="0" eaLnBrk="1" latinLnBrk="0" hangingPunct="1">
         <a:lnSpc>
           <a:spcPct val="90000"/>
         </a:lnSpc>
         <a:spcBef>
-          <a:spcPts val="360"/>
+          <a:spcPts val="341"/>
         </a:spcBef>
         <a:buFont typeface="Arial" panose="020B0604020202020204" pitchFamily="34" charset="0"/>
         <a:buChar char="•"/>
-        <a:defRPr sz="1296" kern="1200">
+        <a:defRPr sz="1228" kern="1200">
           <a:solidFill>
             <a:schemeClr val="tx1"/>
           </a:solidFill>
@@ -2766,16 +2766,16 @@
           <a:cs typeface="+mn-cs"/>
         </a:defRPr>
       </a:lvl4pPr>
-      <a:lvl5pPr marL="1481534" indent="-164615" algn="l" defTabSz="658459" rtl="0" eaLnBrk="1" latinLnBrk="0" hangingPunct="1">
+      <a:lvl5pPr marL="1403970" indent="-155997" algn="l" defTabSz="623987" rtl="0" eaLnBrk="1" latinLnBrk="0" hangingPunct="1">
         <a:lnSpc>
           <a:spcPct val="90000"/>
         </a:lnSpc>
         <a:spcBef>
-          <a:spcPts val="360"/>
+          <a:spcPts val="341"/>
         </a:spcBef>
         <a:buFont typeface="Arial" panose="020B0604020202020204" pitchFamily="34" charset="0"/>
         <a:buChar char="•"/>
-        <a:defRPr sz="1296" kern="1200">
+        <a:defRPr sz="1228" kern="1200">
           <a:solidFill>
             <a:schemeClr val="tx1"/>
           </a:solidFill>
@@ -2784,16 +2784,16 @@
           <a:cs typeface="+mn-cs"/>
         </a:defRPr>
       </a:lvl5pPr>
-      <a:lvl6pPr marL="1810763" indent="-164615" algn="l" defTabSz="658459" rtl="0" eaLnBrk="1" latinLnBrk="0" hangingPunct="1">
+      <a:lvl6pPr marL="1715963" indent="-155997" algn="l" defTabSz="623987" rtl="0" eaLnBrk="1" latinLnBrk="0" hangingPunct="1">
         <a:lnSpc>
           <a:spcPct val="90000"/>
         </a:lnSpc>
         <a:spcBef>
-          <a:spcPts val="360"/>
+          <a:spcPts val="341"/>
         </a:spcBef>
         <a:buFont typeface="Arial" panose="020B0604020202020204" pitchFamily="34" charset="0"/>
         <a:buChar char="•"/>
-        <a:defRPr sz="1296" kern="1200">
+        <a:defRPr sz="1228" kern="1200">
           <a:solidFill>
             <a:schemeClr val="tx1"/>
           </a:solidFill>
@@ -2802,16 +2802,16 @@
           <a:cs typeface="+mn-cs"/>
         </a:defRPr>
       </a:lvl6pPr>
-      <a:lvl7pPr marL="2139993" indent="-164615" algn="l" defTabSz="658459" rtl="0" eaLnBrk="1" latinLnBrk="0" hangingPunct="1">
+      <a:lvl7pPr marL="2027956" indent="-155997" algn="l" defTabSz="623987" rtl="0" eaLnBrk="1" latinLnBrk="0" hangingPunct="1">
         <a:lnSpc>
           <a:spcPct val="90000"/>
         </a:lnSpc>
         <a:spcBef>
-          <a:spcPts val="360"/>
+          <a:spcPts val="341"/>
         </a:spcBef>
         <a:buFont typeface="Arial" panose="020B0604020202020204" pitchFamily="34" charset="0"/>
         <a:buChar char="•"/>
-        <a:defRPr sz="1296" kern="1200">
+        <a:defRPr sz="1228" kern="1200">
           <a:solidFill>
             <a:schemeClr val="tx1"/>
           </a:solidFill>
@@ -2820,16 +2820,16 @@
           <a:cs typeface="+mn-cs"/>
         </a:defRPr>
       </a:lvl7pPr>
-      <a:lvl8pPr marL="2469223" indent="-164615" algn="l" defTabSz="658459" rtl="0" eaLnBrk="1" latinLnBrk="0" hangingPunct="1">
+      <a:lvl8pPr marL="2339950" indent="-155997" algn="l" defTabSz="623987" rtl="0" eaLnBrk="1" latinLnBrk="0" hangingPunct="1">
         <a:lnSpc>
           <a:spcPct val="90000"/>
         </a:lnSpc>
         <a:spcBef>
-          <a:spcPts val="360"/>
+          <a:spcPts val="341"/>
         </a:spcBef>
         <a:buFont typeface="Arial" panose="020B0604020202020204" pitchFamily="34" charset="0"/>
         <a:buChar char="•"/>
-        <a:defRPr sz="1296" kern="1200">
+        <a:defRPr sz="1228" kern="1200">
           <a:solidFill>
             <a:schemeClr val="tx1"/>
           </a:solidFill>
@@ -2838,16 +2838,16 @@
           <a:cs typeface="+mn-cs"/>
         </a:defRPr>
       </a:lvl8pPr>
-      <a:lvl9pPr marL="2798453" indent="-164615" algn="l" defTabSz="658459" rtl="0" eaLnBrk="1" latinLnBrk="0" hangingPunct="1">
+      <a:lvl9pPr marL="2651943" indent="-155997" algn="l" defTabSz="623987" rtl="0" eaLnBrk="1" latinLnBrk="0" hangingPunct="1">
         <a:lnSpc>
           <a:spcPct val="90000"/>
         </a:lnSpc>
         <a:spcBef>
-          <a:spcPts val="360"/>
+          <a:spcPts val="341"/>
         </a:spcBef>
         <a:buFont typeface="Arial" panose="020B0604020202020204" pitchFamily="34" charset="0"/>
         <a:buChar char="•"/>
-        <a:defRPr sz="1296" kern="1200">
+        <a:defRPr sz="1228" kern="1200">
           <a:solidFill>
             <a:schemeClr val="tx1"/>
           </a:solidFill>
@@ -2861,8 +2861,8 @@
       <a:defPPr>
         <a:defRPr lang="en-US"/>
       </a:defPPr>
-      <a:lvl1pPr marL="0" algn="l" defTabSz="658459" rtl="0" eaLnBrk="1" latinLnBrk="0" hangingPunct="1">
-        <a:defRPr sz="1296" kern="1200">
+      <a:lvl1pPr marL="0" algn="l" defTabSz="623987" rtl="0" eaLnBrk="1" latinLnBrk="0" hangingPunct="1">
+        <a:defRPr sz="1228" kern="1200">
           <a:solidFill>
             <a:schemeClr val="tx1"/>
           </a:solidFill>
@@ -2871,8 +2871,8 @@
           <a:cs typeface="+mn-cs"/>
         </a:defRPr>
       </a:lvl1pPr>
-      <a:lvl2pPr marL="329230" algn="l" defTabSz="658459" rtl="0" eaLnBrk="1" latinLnBrk="0" hangingPunct="1">
-        <a:defRPr sz="1296" kern="1200">
+      <a:lvl2pPr marL="311993" algn="l" defTabSz="623987" rtl="0" eaLnBrk="1" latinLnBrk="0" hangingPunct="1">
+        <a:defRPr sz="1228" kern="1200">
           <a:solidFill>
             <a:schemeClr val="tx1"/>
           </a:solidFill>
@@ -2881,8 +2881,8 @@
           <a:cs typeface="+mn-cs"/>
         </a:defRPr>
       </a:lvl2pPr>
-      <a:lvl3pPr marL="658459" algn="l" defTabSz="658459" rtl="0" eaLnBrk="1" latinLnBrk="0" hangingPunct="1">
-        <a:defRPr sz="1296" kern="1200">
+      <a:lvl3pPr marL="623987" algn="l" defTabSz="623987" rtl="0" eaLnBrk="1" latinLnBrk="0" hangingPunct="1">
+        <a:defRPr sz="1228" kern="1200">
           <a:solidFill>
             <a:schemeClr val="tx1"/>
           </a:solidFill>
@@ -2891,8 +2891,8 @@
           <a:cs typeface="+mn-cs"/>
         </a:defRPr>
       </a:lvl3pPr>
-      <a:lvl4pPr marL="987689" algn="l" defTabSz="658459" rtl="0" eaLnBrk="1" latinLnBrk="0" hangingPunct="1">
-        <a:defRPr sz="1296" kern="1200">
+      <a:lvl4pPr marL="935980" algn="l" defTabSz="623987" rtl="0" eaLnBrk="1" latinLnBrk="0" hangingPunct="1">
+        <a:defRPr sz="1228" kern="1200">
           <a:solidFill>
             <a:schemeClr val="tx1"/>
           </a:solidFill>
@@ -2901,8 +2901,8 @@
           <a:cs typeface="+mn-cs"/>
         </a:defRPr>
       </a:lvl4pPr>
-      <a:lvl5pPr marL="1316919" algn="l" defTabSz="658459" rtl="0" eaLnBrk="1" latinLnBrk="0" hangingPunct="1">
-        <a:defRPr sz="1296" kern="1200">
+      <a:lvl5pPr marL="1247973" algn="l" defTabSz="623987" rtl="0" eaLnBrk="1" latinLnBrk="0" hangingPunct="1">
+        <a:defRPr sz="1228" kern="1200">
           <a:solidFill>
             <a:schemeClr val="tx1"/>
           </a:solidFill>
@@ -2911,8 +2911,8 @@
           <a:cs typeface="+mn-cs"/>
         </a:defRPr>
       </a:lvl5pPr>
-      <a:lvl6pPr marL="1646149" algn="l" defTabSz="658459" rtl="0" eaLnBrk="1" latinLnBrk="0" hangingPunct="1">
-        <a:defRPr sz="1296" kern="1200">
+      <a:lvl6pPr marL="1559966" algn="l" defTabSz="623987" rtl="0" eaLnBrk="1" latinLnBrk="0" hangingPunct="1">
+        <a:defRPr sz="1228" kern="1200">
           <a:solidFill>
             <a:schemeClr val="tx1"/>
           </a:solidFill>
@@ -2921,8 +2921,8 @@
           <a:cs typeface="+mn-cs"/>
         </a:defRPr>
       </a:lvl6pPr>
-      <a:lvl7pPr marL="1975378" algn="l" defTabSz="658459" rtl="0" eaLnBrk="1" latinLnBrk="0" hangingPunct="1">
-        <a:defRPr sz="1296" kern="1200">
+      <a:lvl7pPr marL="1871960" algn="l" defTabSz="623987" rtl="0" eaLnBrk="1" latinLnBrk="0" hangingPunct="1">
+        <a:defRPr sz="1228" kern="1200">
           <a:solidFill>
             <a:schemeClr val="tx1"/>
           </a:solidFill>
@@ -2931,8 +2931,8 @@
           <a:cs typeface="+mn-cs"/>
         </a:defRPr>
       </a:lvl7pPr>
-      <a:lvl8pPr marL="2304608" algn="l" defTabSz="658459" rtl="0" eaLnBrk="1" latinLnBrk="0" hangingPunct="1">
-        <a:defRPr sz="1296" kern="1200">
+      <a:lvl8pPr marL="2183953" algn="l" defTabSz="623987" rtl="0" eaLnBrk="1" latinLnBrk="0" hangingPunct="1">
+        <a:defRPr sz="1228" kern="1200">
           <a:solidFill>
             <a:schemeClr val="tx1"/>
           </a:solidFill>
@@ -2941,8 +2941,8 @@
           <a:cs typeface="+mn-cs"/>
         </a:defRPr>
       </a:lvl8pPr>
-      <a:lvl9pPr marL="2633838" algn="l" defTabSz="658459" rtl="0" eaLnBrk="1" latinLnBrk="0" hangingPunct="1">
-        <a:defRPr sz="1296" kern="1200">
+      <a:lvl9pPr marL="2495946" algn="l" defTabSz="623987" rtl="0" eaLnBrk="1" latinLnBrk="0" hangingPunct="1">
+        <a:defRPr sz="1228" kern="1200">
           <a:solidFill>
             <a:schemeClr val="tx1"/>
           </a:solidFill>
@@ -2975,369 +2975,627 @@
       </p:grpSpPr>
       <p:grpSp>
         <p:nvGrpSpPr>
-          <p:cNvPr id="16" name="Group 15">
+          <p:cNvPr id="27" name="Group 26">
             <a:extLst>
               <a:ext uri="{FF2B5EF4-FFF2-40B4-BE49-F238E27FC236}">
-                <a16:creationId xmlns:a16="http://schemas.microsoft.com/office/drawing/2014/main" id="{17F00C7E-36AE-878B-6452-7CEBC3E2B420}"/>
+                <a16:creationId xmlns:a16="http://schemas.microsoft.com/office/drawing/2014/main" id="{7288FE37-C1E7-8281-0B9E-79B658CCE135}"/>
               </a:ext>
             </a:extLst>
           </p:cNvPr>
-          <p:cNvGrpSpPr/>
+          <p:cNvGrpSpPr>
+            <a:grpSpLocks noChangeAspect="1"/>
+          </p:cNvGrpSpPr>
           <p:nvPr/>
         </p:nvGrpSpPr>
         <p:grpSpPr>
           <a:xfrm>
-            <a:off x="1" y="0"/>
-            <a:ext cx="8794486" cy="4700889"/>
-            <a:chOff x="1" y="211471"/>
-            <a:chExt cx="8794486" cy="4700889"/>
+            <a:off x="0" y="-1"/>
+            <a:ext cx="8778875" cy="4354365"/>
+            <a:chOff x="-22463" y="0"/>
+            <a:chExt cx="11061181" cy="5486400"/>
           </a:xfrm>
         </p:grpSpPr>
-        <p:grpSp>
-          <p:nvGrpSpPr>
-            <p:cNvPr id="13" name="Group 12">
+        <p:pic>
+          <p:nvPicPr>
+            <p:cNvPr id="24" name="Picture 23">
               <a:extLst>
                 <a:ext uri="{FF2B5EF4-FFF2-40B4-BE49-F238E27FC236}">
-                  <a16:creationId xmlns:a16="http://schemas.microsoft.com/office/drawing/2014/main" id="{0C7B1DAC-18CB-3370-40EF-88A113BC495F}"/>
+                  <a16:creationId xmlns:a16="http://schemas.microsoft.com/office/drawing/2014/main" id="{7C3A733E-AA5F-61D2-CA61-C4ADE566C3CB}"/>
                 </a:ext>
               </a:extLst>
             </p:cNvPr>
-            <p:cNvGrpSpPr>
-              <a:grpSpLocks noChangeAspect="1"/>
-            </p:cNvGrpSpPr>
+            <p:cNvPicPr>
+              <a:picLocks noChangeAspect="1"/>
+            </p:cNvPicPr>
             <p:nvPr/>
-          </p:nvGrpSpPr>
-          <p:grpSpPr>
+          </p:nvPicPr>
+          <p:blipFill>
+            <a:blip r:embed="rId2"/>
+            <a:stretch>
+              <a:fillRect/>
+            </a:stretch>
+          </p:blipFill>
+          <p:spPr>
             <a:xfrm>
-              <a:off x="1" y="211471"/>
-              <a:ext cx="8794486" cy="4700889"/>
-              <a:chOff x="204758" y="-35879"/>
-              <a:chExt cx="10270863" cy="5490052"/>
+              <a:off x="4612050" y="0"/>
+              <a:ext cx="4849586" cy="5486400"/>
             </a:xfrm>
-          </p:grpSpPr>
-          <p:pic>
-            <p:nvPicPr>
-              <p:cNvPr id="10" name="Picture 9">
-                <a:extLst>
-                  <a:ext uri="{FF2B5EF4-FFF2-40B4-BE49-F238E27FC236}">
-                    <a16:creationId xmlns:a16="http://schemas.microsoft.com/office/drawing/2014/main" id="{5157DFC2-A008-0DD7-8343-21F1F31CB711}"/>
-                  </a:ext>
-                </a:extLst>
-              </p:cNvPr>
-              <p:cNvPicPr>
-                <a:picLocks noChangeAspect="1"/>
-              </p:cNvPicPr>
-              <p:nvPr/>
-            </p:nvPicPr>
-            <p:blipFill>
-              <a:blip r:embed="rId2"/>
-              <a:stretch>
-                <a:fillRect/>
-              </a:stretch>
-            </p:blipFill>
-            <p:spPr>
-              <a:xfrm>
-                <a:off x="8310645" y="-33655"/>
-                <a:ext cx="2164976" cy="5486400"/>
-              </a:xfrm>
-              <a:prstGeom prst="rect">
-                <a:avLst/>
-              </a:prstGeom>
-            </p:spPr>
-          </p:pic>
-          <p:pic>
-            <p:nvPicPr>
-              <p:cNvPr id="7" name="Picture 6">
-                <a:extLst>
-                  <a:ext uri="{FF2B5EF4-FFF2-40B4-BE49-F238E27FC236}">
-                    <a16:creationId xmlns:a16="http://schemas.microsoft.com/office/drawing/2014/main" id="{AEF4BB67-92D7-0795-BB02-D6260B4970B9}"/>
-                  </a:ext>
-                </a:extLst>
-              </p:cNvPr>
-              <p:cNvPicPr>
-                <a:picLocks noChangeAspect="1"/>
-              </p:cNvPicPr>
-              <p:nvPr/>
-            </p:nvPicPr>
-            <p:blipFill>
-              <a:blip r:embed="rId3"/>
-              <a:stretch>
-                <a:fillRect/>
-              </a:stretch>
-            </p:blipFill>
-            <p:spPr>
-              <a:xfrm>
-                <a:off x="4527988" y="-32227"/>
-                <a:ext cx="3805517" cy="5486400"/>
-              </a:xfrm>
-              <a:prstGeom prst="rect">
-                <a:avLst/>
-              </a:prstGeom>
-            </p:spPr>
-          </p:pic>
-          <p:pic>
-            <p:nvPicPr>
-              <p:cNvPr id="5" name="Picture 4">
-                <a:extLst>
-                  <a:ext uri="{FF2B5EF4-FFF2-40B4-BE49-F238E27FC236}">
-                    <a16:creationId xmlns:a16="http://schemas.microsoft.com/office/drawing/2014/main" id="{8BF64B36-A617-68E5-7FEA-C0AC87FF3038}"/>
-                  </a:ext>
-                </a:extLst>
-              </p:cNvPr>
-              <p:cNvPicPr>
-                <a:picLocks noChangeAspect="1"/>
-              </p:cNvPicPr>
-              <p:nvPr/>
-            </p:nvPicPr>
-            <p:blipFill>
-              <a:blip r:embed="rId4"/>
-              <a:stretch>
-                <a:fillRect/>
-              </a:stretch>
-            </p:blipFill>
-            <p:spPr>
-              <a:xfrm>
-                <a:off x="2362563" y="-35879"/>
-                <a:ext cx="2178423" cy="5486400"/>
-              </a:xfrm>
-              <a:prstGeom prst="rect">
-                <a:avLst/>
-              </a:prstGeom>
-            </p:spPr>
-          </p:pic>
-          <p:pic>
-            <p:nvPicPr>
-              <p:cNvPr id="3" name="Picture 2">
-                <a:extLst>
-                  <a:ext uri="{FF2B5EF4-FFF2-40B4-BE49-F238E27FC236}">
-                    <a16:creationId xmlns:a16="http://schemas.microsoft.com/office/drawing/2014/main" id="{4CA44F73-2CB8-D54C-5C28-FC8F9AB80C6A}"/>
-                  </a:ext>
-                </a:extLst>
-              </p:cNvPr>
-              <p:cNvPicPr>
-                <a:picLocks noChangeAspect="1"/>
-              </p:cNvPicPr>
-              <p:nvPr/>
-            </p:nvPicPr>
-            <p:blipFill>
-              <a:blip r:embed="rId5"/>
-              <a:stretch>
-                <a:fillRect/>
-              </a:stretch>
-            </p:blipFill>
-            <p:spPr>
-              <a:xfrm>
-                <a:off x="204758" y="-35879"/>
-                <a:ext cx="2173045" cy="5486400"/>
-              </a:xfrm>
-              <a:prstGeom prst="rect">
-                <a:avLst/>
-              </a:prstGeom>
-            </p:spPr>
-          </p:pic>
-        </p:grpSp>
-        <p:sp>
-          <p:nvSpPr>
-            <p:cNvPr id="21" name="Oval 20">
+            <a:prstGeom prst="rect">
+              <a:avLst/>
+            </a:prstGeom>
+          </p:spPr>
+        </p:pic>
+        <p:pic>
+          <p:nvPicPr>
+            <p:cNvPr id="13" name="Picture 12">
               <a:extLst>
                 <a:ext uri="{FF2B5EF4-FFF2-40B4-BE49-F238E27FC236}">
-                  <a16:creationId xmlns:a16="http://schemas.microsoft.com/office/drawing/2014/main" id="{7B7E65E5-D0EA-1CB2-2B2F-426052726E2C}"/>
+                  <a16:creationId xmlns:a16="http://schemas.microsoft.com/office/drawing/2014/main" id="{E60CCB2C-20C6-A94B-D0FD-833762E969F3}"/>
                 </a:ext>
               </a:extLst>
             </p:cNvPr>
-            <p:cNvSpPr>
-              <a:spLocks noChangeAspect="1"/>
-            </p:cNvSpPr>
+            <p:cNvPicPr>
+              <a:picLocks noChangeAspect="1"/>
+            </p:cNvPicPr>
             <p:nvPr/>
-          </p:nvSpPr>
+          </p:nvPicPr>
+          <p:blipFill>
+            <a:blip r:embed="rId3"/>
+            <a:stretch>
+              <a:fillRect/>
+            </a:stretch>
+          </p:blipFill>
           <p:spPr>
             <a:xfrm>
-              <a:off x="3880925" y="693922"/>
-              <a:ext cx="508512" cy="508512"/>
+              <a:off x="-22463" y="0"/>
+              <a:ext cx="2579915" cy="5486400"/>
             </a:xfrm>
-            <a:prstGeom prst="ellipse">
+            <a:prstGeom prst="rect">
               <a:avLst/>
             </a:prstGeom>
-            <a:solidFill>
-              <a:schemeClr val="accent2">
-                <a:lumMod val="60000"/>
-                <a:lumOff val="40000"/>
-              </a:schemeClr>
-            </a:solidFill>
-            <a:ln>
-              <a:noFill/>
-            </a:ln>
           </p:spPr>
-          <p:style>
-            <a:lnRef idx="2">
-              <a:schemeClr val="accent1">
-                <a:shade val="15000"/>
-              </a:schemeClr>
-            </a:lnRef>
-            <a:fillRef idx="1">
-              <a:schemeClr val="accent1"/>
-            </a:fillRef>
-            <a:effectRef idx="0">
-              <a:schemeClr val="accent1"/>
-            </a:effectRef>
-            <a:fontRef idx="minor">
-              <a:schemeClr val="lt1"/>
-            </a:fontRef>
-          </p:style>
-          <p:txBody>
-            <a:bodyPr tIns="72000" bIns="108000" rtlCol="0" anchor="ctr"/>
-            <a:lstStyle/>
-            <a:p>
-              <a:pPr algn="ctr"/>
-              <a:r>
-                <a:rPr lang="en-GB" sz="2400" dirty="0">
-                  <a:latin typeface="Arial" panose="020B0604020202020204" pitchFamily="34" charset="0"/>
-                  <a:cs typeface="Arial" panose="020B0604020202020204" pitchFamily="34" charset="0"/>
-                </a:rPr>
-                <a:t>b</a:t>
-              </a:r>
-              <a:endParaRPr lang="en-SE" sz="2400" dirty="0">
-                <a:latin typeface="Arial" panose="020B0604020202020204" pitchFamily="34" charset="0"/>
-                <a:cs typeface="Arial" panose="020B0604020202020204" pitchFamily="34" charset="0"/>
-              </a:endParaRPr>
-            </a:p>
-          </p:txBody>
-        </p:sp>
-        <p:sp>
-          <p:nvSpPr>
-            <p:cNvPr id="20" name="Oval 19">
+        </p:pic>
+        <p:pic>
+          <p:nvPicPr>
+            <p:cNvPr id="18" name="Picture 17">
               <a:extLst>
                 <a:ext uri="{FF2B5EF4-FFF2-40B4-BE49-F238E27FC236}">
-                  <a16:creationId xmlns:a16="http://schemas.microsoft.com/office/drawing/2014/main" id="{AC10DFDB-87CB-2181-F40F-69914990F01F}"/>
+                  <a16:creationId xmlns:a16="http://schemas.microsoft.com/office/drawing/2014/main" id="{A2DDA7DE-7806-0D46-F307-E9A8562CE82E}"/>
                 </a:ext>
               </a:extLst>
             </p:cNvPr>
-            <p:cNvSpPr>
-              <a:spLocks noChangeAspect="1"/>
-            </p:cNvSpPr>
+            <p:cNvPicPr>
+              <a:picLocks noChangeAspect="1"/>
+            </p:cNvPicPr>
             <p:nvPr/>
-          </p:nvSpPr>
+          </p:nvPicPr>
+          <p:blipFill>
+            <a:blip r:embed="rId4"/>
+            <a:stretch>
+              <a:fillRect/>
+            </a:stretch>
+          </p:blipFill>
           <p:spPr>
             <a:xfrm>
-              <a:off x="3412753" y="3951923"/>
-              <a:ext cx="508512" cy="508512"/>
+              <a:off x="2557453" y="0"/>
+              <a:ext cx="2623694" cy="5486400"/>
             </a:xfrm>
-            <a:prstGeom prst="ellipse">
+            <a:prstGeom prst="rect">
               <a:avLst/>
             </a:prstGeom>
-            <a:solidFill>
-              <a:schemeClr val="accent2">
-                <a:lumMod val="60000"/>
-                <a:lumOff val="40000"/>
-              </a:schemeClr>
-            </a:solidFill>
-            <a:ln>
-              <a:noFill/>
-            </a:ln>
           </p:spPr>
-          <p:style>
-            <a:lnRef idx="2">
-              <a:schemeClr val="accent1">
-                <a:shade val="15000"/>
-              </a:schemeClr>
-            </a:lnRef>
-            <a:fillRef idx="1">
-              <a:schemeClr val="accent1"/>
-            </a:fillRef>
-            <a:effectRef idx="0">
-              <a:schemeClr val="accent1"/>
-            </a:effectRef>
-            <a:fontRef idx="minor">
-              <a:schemeClr val="lt1"/>
-            </a:fontRef>
-          </p:style>
-          <p:txBody>
-            <a:bodyPr tIns="72000" bIns="108000" rtlCol="0" anchor="ctr"/>
-            <a:lstStyle/>
-            <a:p>
-              <a:pPr algn="ctr"/>
-              <a:r>
-                <a:rPr lang="en-GB" sz="2400" dirty="0">
-                  <a:latin typeface="Arial" panose="020B0604020202020204" pitchFamily="34" charset="0"/>
-                  <a:cs typeface="Arial" panose="020B0604020202020204" pitchFamily="34" charset="0"/>
-                </a:rPr>
-                <a:t>a</a:t>
-              </a:r>
-              <a:endParaRPr lang="en-SE" sz="2400" dirty="0">
-                <a:latin typeface="Arial" panose="020B0604020202020204" pitchFamily="34" charset="0"/>
-                <a:cs typeface="Arial" panose="020B0604020202020204" pitchFamily="34" charset="0"/>
-              </a:endParaRPr>
-            </a:p>
-          </p:txBody>
-        </p:sp>
-        <p:sp>
-          <p:nvSpPr>
-            <p:cNvPr id="15" name="Oval 14">
+        </p:pic>
+        <p:pic>
+          <p:nvPicPr>
+            <p:cNvPr id="26" name="Picture 25">
               <a:extLst>
                 <a:ext uri="{FF2B5EF4-FFF2-40B4-BE49-F238E27FC236}">
-                  <a16:creationId xmlns:a16="http://schemas.microsoft.com/office/drawing/2014/main" id="{B424E05F-24AF-C1A0-956D-DAE48E5A8E2A}"/>
+                  <a16:creationId xmlns:a16="http://schemas.microsoft.com/office/drawing/2014/main" id="{B6BBDA3A-E6BF-056C-A2A4-152E43FACF63}"/>
                 </a:ext>
               </a:extLst>
             </p:cNvPr>
-            <p:cNvSpPr>
-              <a:spLocks noChangeAspect="1"/>
-            </p:cNvSpPr>
+            <p:cNvPicPr>
+              <a:picLocks noChangeAspect="1"/>
+            </p:cNvPicPr>
             <p:nvPr/>
-          </p:nvSpPr>
+          </p:nvPicPr>
+          <p:blipFill>
+            <a:blip r:embed="rId5"/>
+            <a:stretch>
+              <a:fillRect/>
+            </a:stretch>
+          </p:blipFill>
           <p:spPr>
             <a:xfrm>
-              <a:off x="7979744" y="743452"/>
-              <a:ext cx="508512" cy="508512"/>
+              <a:off x="8627532" y="0"/>
+              <a:ext cx="2411186" cy="5486400"/>
             </a:xfrm>
-            <a:prstGeom prst="ellipse">
+            <a:prstGeom prst="rect">
               <a:avLst/>
             </a:prstGeom>
-            <a:solidFill>
-              <a:schemeClr val="accent2">
-                <a:lumMod val="60000"/>
-                <a:lumOff val="40000"/>
-              </a:schemeClr>
-            </a:solidFill>
-            <a:ln>
-              <a:noFill/>
-            </a:ln>
           </p:spPr>
-          <p:style>
-            <a:lnRef idx="2">
-              <a:schemeClr val="accent1">
-                <a:shade val="15000"/>
-              </a:schemeClr>
-            </a:lnRef>
-            <a:fillRef idx="1">
-              <a:schemeClr val="accent1"/>
-            </a:fillRef>
-            <a:effectRef idx="0">
-              <a:schemeClr val="accent1"/>
-            </a:effectRef>
-            <a:fontRef idx="minor">
-              <a:schemeClr val="lt1"/>
-            </a:fontRef>
-          </p:style>
-          <p:txBody>
-            <a:bodyPr tIns="72000" bIns="108000" rtlCol="0" anchor="ctr"/>
-            <a:lstStyle/>
-            <a:p>
-              <a:pPr algn="ctr"/>
-              <a:r>
-                <a:rPr lang="en-GB" sz="2400" dirty="0">
-                  <a:latin typeface="Arial" panose="020B0604020202020204" pitchFamily="34" charset="0"/>
-                  <a:cs typeface="Arial" panose="020B0604020202020204" pitchFamily="34" charset="0"/>
-                </a:rPr>
-                <a:t>c</a:t>
-              </a:r>
-              <a:endParaRPr lang="en-SE" sz="2400" dirty="0">
+        </p:pic>
+      </p:grpSp>
+      <p:sp>
+        <p:nvSpPr>
+          <p:cNvPr id="20" name="Oval 19">
+            <a:extLst>
+              <a:ext uri="{FF2B5EF4-FFF2-40B4-BE49-F238E27FC236}">
+                <a16:creationId xmlns:a16="http://schemas.microsoft.com/office/drawing/2014/main" id="{AC10DFDB-87CB-2181-F40F-69914990F01F}"/>
+              </a:ext>
+            </a:extLst>
+          </p:cNvPr>
+          <p:cNvSpPr>
+            <a:spLocks noChangeAspect="1"/>
+          </p:cNvSpPr>
+          <p:nvPr/>
+        </p:nvSpPr>
+        <p:spPr>
+          <a:xfrm>
+            <a:off x="3131923" y="234972"/>
+            <a:ext cx="467166" cy="467166"/>
+          </a:xfrm>
+          <a:prstGeom prst="ellipse">
+            <a:avLst/>
+          </a:prstGeom>
+          <a:solidFill>
+            <a:schemeClr val="accent2">
+              <a:lumMod val="60000"/>
+              <a:lumOff val="40000"/>
+            </a:schemeClr>
+          </a:solidFill>
+          <a:ln>
+            <a:noFill/>
+          </a:ln>
+        </p:spPr>
+        <p:style>
+          <a:lnRef idx="2">
+            <a:schemeClr val="accent1">
+              <a:shade val="15000"/>
+            </a:schemeClr>
+          </a:lnRef>
+          <a:fillRef idx="1">
+            <a:schemeClr val="accent1"/>
+          </a:fillRef>
+          <a:effectRef idx="0">
+            <a:schemeClr val="accent1"/>
+          </a:effectRef>
+          <a:fontRef idx="minor">
+            <a:schemeClr val="lt1"/>
+          </a:fontRef>
+        </p:style>
+        <p:txBody>
+          <a:bodyPr tIns="66146" bIns="99219" rtlCol="0" anchor="ctr"/>
+          <a:lstStyle/>
+          <a:p>
+            <a:pPr algn="ctr"/>
+            <a:r>
+              <a:rPr lang="en-GB" sz="2205" dirty="0">
                 <a:latin typeface="Arial" panose="020B0604020202020204" pitchFamily="34" charset="0"/>
                 <a:cs typeface="Arial" panose="020B0604020202020204" pitchFamily="34" charset="0"/>
-              </a:endParaRPr>
-            </a:p>
-          </p:txBody>
-        </p:sp>
-      </p:grpSp>
+              </a:rPr>
+              <a:t>a</a:t>
+            </a:r>
+            <a:endParaRPr lang="en-SE" sz="2205" dirty="0">
+              <a:latin typeface="Arial" panose="020B0604020202020204" pitchFamily="34" charset="0"/>
+              <a:cs typeface="Arial" panose="020B0604020202020204" pitchFamily="34" charset="0"/>
+            </a:endParaRPr>
+          </a:p>
+        </p:txBody>
+      </p:sp>
+      <p:sp>
+        <p:nvSpPr>
+          <p:cNvPr id="15" name="Rectangle 14">
+            <a:extLst>
+              <a:ext uri="{FF2B5EF4-FFF2-40B4-BE49-F238E27FC236}">
+                <a16:creationId xmlns:a16="http://schemas.microsoft.com/office/drawing/2014/main" id="{43EF4F48-C0F9-A6E7-851F-4ED613CE0B2B}"/>
+              </a:ext>
+            </a:extLst>
+          </p:cNvPr>
+          <p:cNvSpPr/>
+          <p:nvPr/>
+        </p:nvSpPr>
+        <p:spPr>
+          <a:xfrm>
+            <a:off x="2072776" y="1522272"/>
+            <a:ext cx="1965823" cy="1027253"/>
+          </a:xfrm>
+          <a:prstGeom prst="rect">
+            <a:avLst/>
+          </a:prstGeom>
+          <a:noFill/>
+          <a:ln w="28575">
+            <a:solidFill>
+              <a:srgbClr val="F4B183"/>
+            </a:solidFill>
+            <a:prstDash val="sysDot"/>
+          </a:ln>
+        </p:spPr>
+        <p:style>
+          <a:lnRef idx="2">
+            <a:schemeClr val="accent1">
+              <a:shade val="15000"/>
+            </a:schemeClr>
+          </a:lnRef>
+          <a:fillRef idx="1">
+            <a:schemeClr val="accent1"/>
+          </a:fillRef>
+          <a:effectRef idx="0">
+            <a:schemeClr val="accent1"/>
+          </a:effectRef>
+          <a:fontRef idx="minor">
+            <a:schemeClr val="lt1"/>
+          </a:fontRef>
+        </p:style>
+        <p:txBody>
+          <a:bodyPr rtlCol="0" anchor="ctr"/>
+          <a:lstStyle/>
+          <a:p>
+            <a:pPr algn="ctr"/>
+            <a:endParaRPr lang="en-SE" sz="1654"/>
+          </a:p>
+        </p:txBody>
+      </p:sp>
+      <p:sp>
+        <p:nvSpPr>
+          <p:cNvPr id="22" name="Oval 21">
+            <a:extLst>
+              <a:ext uri="{FF2B5EF4-FFF2-40B4-BE49-F238E27FC236}">
+                <a16:creationId xmlns:a16="http://schemas.microsoft.com/office/drawing/2014/main" id="{7735833B-C1B4-9944-99B2-A184DAAFFE76}"/>
+              </a:ext>
+            </a:extLst>
+          </p:cNvPr>
+          <p:cNvSpPr>
+            <a:spLocks noChangeAspect="1"/>
+          </p:cNvSpPr>
+          <p:nvPr/>
+        </p:nvSpPr>
+        <p:spPr>
+          <a:xfrm>
+            <a:off x="5237702" y="234972"/>
+            <a:ext cx="467166" cy="467166"/>
+          </a:xfrm>
+          <a:prstGeom prst="ellipse">
+            <a:avLst/>
+          </a:prstGeom>
+          <a:solidFill>
+            <a:schemeClr val="accent2">
+              <a:lumMod val="60000"/>
+              <a:lumOff val="40000"/>
+            </a:schemeClr>
+          </a:solidFill>
+          <a:ln>
+            <a:noFill/>
+          </a:ln>
+        </p:spPr>
+        <p:style>
+          <a:lnRef idx="2">
+            <a:schemeClr val="accent1">
+              <a:shade val="15000"/>
+            </a:schemeClr>
+          </a:lnRef>
+          <a:fillRef idx="1">
+            <a:schemeClr val="accent1"/>
+          </a:fillRef>
+          <a:effectRef idx="0">
+            <a:schemeClr val="accent1"/>
+          </a:effectRef>
+          <a:fontRef idx="minor">
+            <a:schemeClr val="lt1"/>
+          </a:fontRef>
+        </p:style>
+        <p:txBody>
+          <a:bodyPr tIns="66146" bIns="99219" rtlCol="0" anchor="ctr"/>
+          <a:lstStyle/>
+          <a:p>
+            <a:pPr algn="ctr"/>
+            <a:r>
+              <a:rPr lang="en-GB" sz="2205" dirty="0">
+                <a:latin typeface="Arial" panose="020B0604020202020204" pitchFamily="34" charset="0"/>
+                <a:cs typeface="Arial" panose="020B0604020202020204" pitchFamily="34" charset="0"/>
+              </a:rPr>
+              <a:t>c</a:t>
+            </a:r>
+            <a:endParaRPr lang="en-SE" sz="2205" dirty="0">
+              <a:latin typeface="Arial" panose="020B0604020202020204" pitchFamily="34" charset="0"/>
+              <a:cs typeface="Arial" panose="020B0604020202020204" pitchFamily="34" charset="0"/>
+            </a:endParaRPr>
+          </a:p>
+        </p:txBody>
+      </p:sp>
+      <p:sp>
+        <p:nvSpPr>
+          <p:cNvPr id="21" name="Oval 20">
+            <a:extLst>
+              <a:ext uri="{FF2B5EF4-FFF2-40B4-BE49-F238E27FC236}">
+                <a16:creationId xmlns:a16="http://schemas.microsoft.com/office/drawing/2014/main" id="{7B7E65E5-D0EA-1CB2-2B2F-426052726E2C}"/>
+              </a:ext>
+            </a:extLst>
+          </p:cNvPr>
+          <p:cNvSpPr>
+            <a:spLocks noChangeAspect="1"/>
+          </p:cNvSpPr>
+          <p:nvPr/>
+        </p:nvSpPr>
+        <p:spPr>
+          <a:xfrm>
+            <a:off x="3131923" y="1245271"/>
+            <a:ext cx="467166" cy="467166"/>
+          </a:xfrm>
+          <a:prstGeom prst="ellipse">
+            <a:avLst/>
+          </a:prstGeom>
+          <a:solidFill>
+            <a:schemeClr val="accent2">
+              <a:lumMod val="60000"/>
+              <a:lumOff val="40000"/>
+            </a:schemeClr>
+          </a:solidFill>
+          <a:ln>
+            <a:noFill/>
+          </a:ln>
+        </p:spPr>
+        <p:style>
+          <a:lnRef idx="2">
+            <a:schemeClr val="accent1">
+              <a:shade val="15000"/>
+            </a:schemeClr>
+          </a:lnRef>
+          <a:fillRef idx="1">
+            <a:schemeClr val="accent1"/>
+          </a:fillRef>
+          <a:effectRef idx="0">
+            <a:schemeClr val="accent1"/>
+          </a:effectRef>
+          <a:fontRef idx="minor">
+            <a:schemeClr val="lt1"/>
+          </a:fontRef>
+        </p:style>
+        <p:txBody>
+          <a:bodyPr tIns="66146" bIns="99219" rtlCol="0" anchor="ctr"/>
+          <a:lstStyle/>
+          <a:p>
+            <a:pPr algn="ctr"/>
+            <a:r>
+              <a:rPr lang="en-GB" sz="2205" dirty="0">
+                <a:latin typeface="Arial" panose="020B0604020202020204" pitchFamily="34" charset="0"/>
+                <a:cs typeface="Arial" panose="020B0604020202020204" pitchFamily="34" charset="0"/>
+              </a:rPr>
+              <a:t>b</a:t>
+            </a:r>
+            <a:endParaRPr lang="en-SE" sz="2205" dirty="0">
+              <a:latin typeface="Arial" panose="020B0604020202020204" pitchFamily="34" charset="0"/>
+              <a:cs typeface="Arial" panose="020B0604020202020204" pitchFamily="34" charset="0"/>
+            </a:endParaRPr>
+          </a:p>
+        </p:txBody>
+      </p:sp>
+      <p:sp>
+        <p:nvSpPr>
+          <p:cNvPr id="28" name="Rectangle 27">
+            <a:extLst>
+              <a:ext uri="{FF2B5EF4-FFF2-40B4-BE49-F238E27FC236}">
+                <a16:creationId xmlns:a16="http://schemas.microsoft.com/office/drawing/2014/main" id="{EE030512-412E-06D7-C09D-6CCE2B918A2D}"/>
+              </a:ext>
+            </a:extLst>
+          </p:cNvPr>
+          <p:cNvSpPr/>
+          <p:nvPr/>
+        </p:nvSpPr>
+        <p:spPr>
+          <a:xfrm>
+            <a:off x="4235792" y="334052"/>
+            <a:ext cx="183277" cy="182414"/>
+          </a:xfrm>
+          <a:prstGeom prst="rect">
+            <a:avLst/>
+          </a:prstGeom>
+          <a:noFill/>
+          <a:ln w="28575">
+            <a:solidFill>
+              <a:srgbClr val="F4B183"/>
+            </a:solidFill>
+            <a:prstDash val="sysDot"/>
+          </a:ln>
+        </p:spPr>
+        <p:style>
+          <a:lnRef idx="2">
+            <a:schemeClr val="accent1">
+              <a:shade val="15000"/>
+            </a:schemeClr>
+          </a:lnRef>
+          <a:fillRef idx="1">
+            <a:schemeClr val="accent1"/>
+          </a:fillRef>
+          <a:effectRef idx="0">
+            <a:schemeClr val="accent1"/>
+          </a:effectRef>
+          <a:fontRef idx="minor">
+            <a:schemeClr val="lt1"/>
+          </a:fontRef>
+        </p:style>
+        <p:txBody>
+          <a:bodyPr rtlCol="0" anchor="ctr"/>
+          <a:lstStyle/>
+          <a:p>
+            <a:pPr algn="ctr"/>
+            <a:endParaRPr lang="en-SE" sz="1654"/>
+          </a:p>
+        </p:txBody>
+      </p:sp>
+      <p:sp>
+        <p:nvSpPr>
+          <p:cNvPr id="29" name="Rectangle 28">
+            <a:extLst>
+              <a:ext uri="{FF2B5EF4-FFF2-40B4-BE49-F238E27FC236}">
+                <a16:creationId xmlns:a16="http://schemas.microsoft.com/office/drawing/2014/main" id="{8A7010FF-C313-A021-6F18-BBCF1A84D435}"/>
+              </a:ext>
+            </a:extLst>
+          </p:cNvPr>
+          <p:cNvSpPr/>
+          <p:nvPr/>
+        </p:nvSpPr>
+        <p:spPr>
+          <a:xfrm>
+            <a:off x="6902449" y="495071"/>
+            <a:ext cx="1785083" cy="1566561"/>
+          </a:xfrm>
+          <a:prstGeom prst="rect">
+            <a:avLst/>
+          </a:prstGeom>
+          <a:noFill/>
+          <a:ln w="28575">
+            <a:solidFill>
+              <a:srgbClr val="F4B183"/>
+            </a:solidFill>
+            <a:prstDash val="sysDot"/>
+          </a:ln>
+        </p:spPr>
+        <p:style>
+          <a:lnRef idx="2">
+            <a:schemeClr val="accent1">
+              <a:shade val="15000"/>
+            </a:schemeClr>
+          </a:lnRef>
+          <a:fillRef idx="1">
+            <a:schemeClr val="accent1"/>
+          </a:fillRef>
+          <a:effectRef idx="0">
+            <a:schemeClr val="accent1"/>
+          </a:effectRef>
+          <a:fontRef idx="minor">
+            <a:schemeClr val="lt1"/>
+          </a:fontRef>
+        </p:style>
+        <p:txBody>
+          <a:bodyPr rtlCol="0" anchor="ctr"/>
+          <a:lstStyle/>
+          <a:p>
+            <a:pPr algn="ctr"/>
+            <a:endParaRPr lang="en-SE" sz="1654"/>
+          </a:p>
+        </p:txBody>
+      </p:sp>
+      <p:sp>
+        <p:nvSpPr>
+          <p:cNvPr id="30" name="Rectangle 29">
+            <a:extLst>
+              <a:ext uri="{FF2B5EF4-FFF2-40B4-BE49-F238E27FC236}">
+                <a16:creationId xmlns:a16="http://schemas.microsoft.com/office/drawing/2014/main" id="{5D4B61F2-2792-C70A-97F5-E5B9A416455D}"/>
+              </a:ext>
+            </a:extLst>
+          </p:cNvPr>
+          <p:cNvSpPr/>
+          <p:nvPr/>
+        </p:nvSpPr>
+        <p:spPr>
+          <a:xfrm>
+            <a:off x="6902448" y="2778760"/>
+            <a:ext cx="1785083" cy="447040"/>
+          </a:xfrm>
+          <a:prstGeom prst="rect">
+            <a:avLst/>
+          </a:prstGeom>
+          <a:noFill/>
+          <a:ln w="28575">
+            <a:solidFill>
+              <a:srgbClr val="F4B183"/>
+            </a:solidFill>
+            <a:prstDash val="sysDot"/>
+          </a:ln>
+        </p:spPr>
+        <p:style>
+          <a:lnRef idx="2">
+            <a:schemeClr val="accent1">
+              <a:shade val="15000"/>
+            </a:schemeClr>
+          </a:lnRef>
+          <a:fillRef idx="1">
+            <a:schemeClr val="accent1"/>
+          </a:fillRef>
+          <a:effectRef idx="0">
+            <a:schemeClr val="accent1"/>
+          </a:effectRef>
+          <a:fontRef idx="minor">
+            <a:schemeClr val="lt1"/>
+          </a:fontRef>
+        </p:style>
+        <p:txBody>
+          <a:bodyPr rtlCol="0" anchor="ctr"/>
+          <a:lstStyle/>
+          <a:p>
+            <a:pPr algn="ctr"/>
+            <a:endParaRPr lang="en-SE" sz="1654" dirty="0"/>
+          </a:p>
+        </p:txBody>
+      </p:sp>
+      <p:sp>
+        <p:nvSpPr>
+          <p:cNvPr id="31" name="Oval 30">
+            <a:extLst>
+              <a:ext uri="{FF2B5EF4-FFF2-40B4-BE49-F238E27FC236}">
+                <a16:creationId xmlns:a16="http://schemas.microsoft.com/office/drawing/2014/main" id="{8ABE4DF3-D175-6423-716A-F6465A531B9C}"/>
+              </a:ext>
+            </a:extLst>
+          </p:cNvPr>
+          <p:cNvSpPr>
+            <a:spLocks noChangeAspect="1"/>
+          </p:cNvSpPr>
+          <p:nvPr/>
+        </p:nvSpPr>
+        <p:spPr>
+          <a:xfrm>
+            <a:off x="3131923" y="2778760"/>
+            <a:ext cx="467166" cy="467166"/>
+          </a:xfrm>
+          <a:prstGeom prst="ellipse">
+            <a:avLst/>
+          </a:prstGeom>
+          <a:solidFill>
+            <a:schemeClr val="accent2">
+              <a:lumMod val="60000"/>
+              <a:lumOff val="40000"/>
+            </a:schemeClr>
+          </a:solidFill>
+          <a:ln>
+            <a:noFill/>
+          </a:ln>
+        </p:spPr>
+        <p:style>
+          <a:lnRef idx="2">
+            <a:schemeClr val="accent1">
+              <a:shade val="15000"/>
+            </a:schemeClr>
+          </a:lnRef>
+          <a:fillRef idx="1">
+            <a:schemeClr val="accent1"/>
+          </a:fillRef>
+          <a:effectRef idx="0">
+            <a:schemeClr val="accent1"/>
+          </a:effectRef>
+          <a:fontRef idx="minor">
+            <a:schemeClr val="lt1"/>
+          </a:fontRef>
+        </p:style>
+        <p:txBody>
+          <a:bodyPr tIns="66146" bIns="99219" rtlCol="0" anchor="ctr"/>
+          <a:lstStyle/>
+          <a:p>
+            <a:pPr algn="ctr"/>
+            <a:r>
+              <a:rPr lang="en-GB" sz="2205" dirty="0">
+                <a:latin typeface="Arial" panose="020B0604020202020204" pitchFamily="34" charset="0"/>
+                <a:cs typeface="Arial" panose="020B0604020202020204" pitchFamily="34" charset="0"/>
+              </a:rPr>
+              <a:t>d</a:t>
+            </a:r>
+            <a:endParaRPr lang="en-SE" sz="2205" dirty="0">
+              <a:latin typeface="Arial" panose="020B0604020202020204" pitchFamily="34" charset="0"/>
+              <a:cs typeface="Arial" panose="020B0604020202020204" pitchFamily="34" charset="0"/>
+            </a:endParaRPr>
+          </a:p>
+        </p:txBody>
+      </p:sp>
     </p:spTree>
     <p:extLst>
       <p:ext uri="{BB962C8B-B14F-4D97-AF65-F5344CB8AC3E}">
